--- a/presentations/DESY - Updates Week 1&2.pptx
+++ b/presentations/DESY - Updates Week 1&2.pptx
@@ -9,18 +9,18 @@
     <p:sldId id="257" r:id="rId3"/>
     <p:sldId id="258" r:id="rId4"/>
     <p:sldId id="259" r:id="rId5"/>
-    <p:sldId id="261" r:id="rId6"/>
-    <p:sldId id="260" r:id="rId7"/>
-    <p:sldId id="262" r:id="rId8"/>
-    <p:sldId id="263" r:id="rId9"/>
-    <p:sldId id="264" r:id="rId10"/>
-    <p:sldId id="266" r:id="rId11"/>
-    <p:sldId id="268" r:id="rId12"/>
-    <p:sldId id="271" r:id="rId13"/>
-    <p:sldId id="270" r:id="rId14"/>
-    <p:sldId id="267" r:id="rId15"/>
-    <p:sldId id="269" r:id="rId16"/>
-    <p:sldId id="272" r:id="rId17"/>
+    <p:sldId id="278" r:id="rId6"/>
+    <p:sldId id="264" r:id="rId7"/>
+    <p:sldId id="266" r:id="rId8"/>
+    <p:sldId id="268" r:id="rId9"/>
+    <p:sldId id="271" r:id="rId10"/>
+    <p:sldId id="270" r:id="rId11"/>
+    <p:sldId id="267" r:id="rId12"/>
+    <p:sldId id="274" r:id="rId13"/>
+    <p:sldId id="275" r:id="rId14"/>
+    <p:sldId id="276" r:id="rId15"/>
+    <p:sldId id="277" r:id="rId16"/>
+    <p:sldId id="269" r:id="rId17"/>
   </p:sldIdLst>
   <p:sldSz cx="12192000" cy="6858000"/>
   <p:notesSz cx="6858000" cy="9144000"/>
@@ -284,7 +284,7 @@
           <a:p>
             <a:fld id="{D7372FC6-4D43-4DB6-BC65-E4696EEACAEB}" type="datetimeFigureOut">
               <a:rPr lang="en-GB" smtClean="0"/>
-              <a:t>30/07/2023</a:t>
+              <a:t>01/08/2023</a:t>
             </a:fld>
             <a:endParaRPr lang="en-GB"/>
           </a:p>
@@ -484,7 +484,7 @@
           <a:p>
             <a:fld id="{D7372FC6-4D43-4DB6-BC65-E4696EEACAEB}" type="datetimeFigureOut">
               <a:rPr lang="en-GB" smtClean="0"/>
-              <a:t>30/07/2023</a:t>
+              <a:t>01/08/2023</a:t>
             </a:fld>
             <a:endParaRPr lang="en-GB"/>
           </a:p>
@@ -694,7 +694,7 @@
           <a:p>
             <a:fld id="{D7372FC6-4D43-4DB6-BC65-E4696EEACAEB}" type="datetimeFigureOut">
               <a:rPr lang="en-GB" smtClean="0"/>
-              <a:t>30/07/2023</a:t>
+              <a:t>01/08/2023</a:t>
             </a:fld>
             <a:endParaRPr lang="en-GB"/>
           </a:p>
@@ -894,7 +894,7 @@
           <a:p>
             <a:fld id="{D7372FC6-4D43-4DB6-BC65-E4696EEACAEB}" type="datetimeFigureOut">
               <a:rPr lang="en-GB" smtClean="0"/>
-              <a:t>30/07/2023</a:t>
+              <a:t>01/08/2023</a:t>
             </a:fld>
             <a:endParaRPr lang="en-GB"/>
           </a:p>
@@ -1170,7 +1170,7 @@
           <a:p>
             <a:fld id="{D7372FC6-4D43-4DB6-BC65-E4696EEACAEB}" type="datetimeFigureOut">
               <a:rPr lang="en-GB" smtClean="0"/>
-              <a:t>30/07/2023</a:t>
+              <a:t>01/08/2023</a:t>
             </a:fld>
             <a:endParaRPr lang="en-GB"/>
           </a:p>
@@ -1438,7 +1438,7 @@
           <a:p>
             <a:fld id="{D7372FC6-4D43-4DB6-BC65-E4696EEACAEB}" type="datetimeFigureOut">
               <a:rPr lang="en-GB" smtClean="0"/>
-              <a:t>30/07/2023</a:t>
+              <a:t>01/08/2023</a:t>
             </a:fld>
             <a:endParaRPr lang="en-GB"/>
           </a:p>
@@ -1853,7 +1853,7 @@
           <a:p>
             <a:fld id="{D7372FC6-4D43-4DB6-BC65-E4696EEACAEB}" type="datetimeFigureOut">
               <a:rPr lang="en-GB" smtClean="0"/>
-              <a:t>30/07/2023</a:t>
+              <a:t>01/08/2023</a:t>
             </a:fld>
             <a:endParaRPr lang="en-GB"/>
           </a:p>
@@ -1995,7 +1995,7 @@
           <a:p>
             <a:fld id="{D7372FC6-4D43-4DB6-BC65-E4696EEACAEB}" type="datetimeFigureOut">
               <a:rPr lang="en-GB" smtClean="0"/>
-              <a:t>30/07/2023</a:t>
+              <a:t>01/08/2023</a:t>
             </a:fld>
             <a:endParaRPr lang="en-GB"/>
           </a:p>
@@ -2108,7 +2108,7 @@
           <a:p>
             <a:fld id="{D7372FC6-4D43-4DB6-BC65-E4696EEACAEB}" type="datetimeFigureOut">
               <a:rPr lang="en-GB" smtClean="0"/>
-              <a:t>30/07/2023</a:t>
+              <a:t>01/08/2023</a:t>
             </a:fld>
             <a:endParaRPr lang="en-GB"/>
           </a:p>
@@ -2421,7 +2421,7 @@
           <a:p>
             <a:fld id="{D7372FC6-4D43-4DB6-BC65-E4696EEACAEB}" type="datetimeFigureOut">
               <a:rPr lang="en-GB" smtClean="0"/>
-              <a:t>30/07/2023</a:t>
+              <a:t>01/08/2023</a:t>
             </a:fld>
             <a:endParaRPr lang="en-GB"/>
           </a:p>
@@ -2710,7 +2710,7 @@
           <a:p>
             <a:fld id="{D7372FC6-4D43-4DB6-BC65-E4696EEACAEB}" type="datetimeFigureOut">
               <a:rPr lang="en-GB" smtClean="0"/>
-              <a:t>30/07/2023</a:t>
+              <a:t>01/08/2023</a:t>
             </a:fld>
             <a:endParaRPr lang="en-GB"/>
           </a:p>
@@ -2953,7 +2953,7 @@
           <a:p>
             <a:fld id="{D7372FC6-4D43-4DB6-BC65-E4696EEACAEB}" type="datetimeFigureOut">
               <a:rPr lang="en-GB" smtClean="0"/>
-              <a:t>30/07/2023</a:t>
+              <a:t>01/08/2023</a:t>
             </a:fld>
             <a:endParaRPr lang="en-GB"/>
           </a:p>
@@ -3393,7 +3393,7 @@
           <a:p>
             <a:r>
               <a:rPr lang="en-GB" b="1" dirty="0"/>
-              <a:t>Project Update</a:t>
+              <a:t>THG Simulations</a:t>
             </a:r>
           </a:p>
         </p:txBody>
@@ -3416,12 +3416,38 @@
         </p:nvSpPr>
         <p:spPr/>
         <p:txBody>
-          <a:bodyPr/>
-          <a:lstStyle/>
+          <a:bodyPr>
+            <a:normAutofit lnSpcReduction="10000"/>
+          </a:bodyPr>
+          <a:lstStyle/>
+          <a:p>
+            <a:r>
+              <a:rPr lang="en-GB" sz="2800" i="1" dirty="0">
+                <a:solidFill>
+                  <a:srgbClr val="002060"/>
+                </a:solidFill>
+              </a:rPr>
+              <a:t>Project update</a:t>
+            </a:r>
+          </a:p>
           <a:p>
             <a:r>
               <a:rPr lang="en-GB" dirty="0"/>
               <a:t>Weeks 1&amp;2</a:t>
+            </a:r>
+          </a:p>
+          <a:p>
+            <a:pPr algn="r"/>
+            <a:r>
+              <a:rPr lang="en-GB" sz="1800" dirty="0"/>
+              <a:t>01/08/2023 </a:t>
+            </a:r>
+          </a:p>
+          <a:p>
+            <a:pPr algn="r"/>
+            <a:r>
+              <a:rPr lang="en-GB" sz="1800" dirty="0"/>
+              <a:t>David Amorim</a:t>
             </a:r>
           </a:p>
         </p:txBody>
@@ -3456,21 +3482,72 @@
           <a:chExt cx="0" cy="0"/>
         </a:xfrm>
       </p:grpSpPr>
+      <p:sp>
+        <p:nvSpPr>
+          <p:cNvPr id="2" name="Title 1">
+            <a:extLst>
+              <a:ext uri="{FF2B5EF4-FFF2-40B4-BE49-F238E27FC236}">
+                <a16:creationId xmlns:a16="http://schemas.microsoft.com/office/drawing/2014/main" id="{ECBD7F64-4CE7-869F-B7E4-02F8A6327CB3}"/>
+              </a:ext>
+            </a:extLst>
+          </p:cNvPr>
+          <p:cNvSpPr>
+            <a:spLocks noGrp="1"/>
+          </p:cNvSpPr>
+          <p:nvPr>
+            <p:ph type="title"/>
+          </p:nvPr>
+        </p:nvSpPr>
+        <p:spPr/>
+        <p:txBody>
+          <a:bodyPr/>
+          <a:lstStyle/>
+          <a:p>
+            <a:r>
+              <a:rPr lang="en-GB" u="sng" dirty="0"/>
+              <a:t>Example run</a:t>
+            </a:r>
+          </a:p>
+        </p:txBody>
+      </p:sp>
+      <p:sp>
+        <p:nvSpPr>
+          <p:cNvPr id="3" name="Content Placeholder 2">
+            <a:extLst>
+              <a:ext uri="{FF2B5EF4-FFF2-40B4-BE49-F238E27FC236}">
+                <a16:creationId xmlns:a16="http://schemas.microsoft.com/office/drawing/2014/main" id="{65B396B9-617E-A83D-81ED-B494B7397571}"/>
+              </a:ext>
+            </a:extLst>
+          </p:cNvPr>
+          <p:cNvSpPr>
+            <a:spLocks noGrp="1"/>
+          </p:cNvSpPr>
+          <p:nvPr>
+            <p:ph idx="1"/>
+          </p:nvPr>
+        </p:nvSpPr>
+        <p:spPr/>
+        <p:txBody>
+          <a:bodyPr/>
+          <a:lstStyle/>
+          <a:p>
+            <a:endParaRPr lang="en-GB"/>
+          </a:p>
+        </p:txBody>
+      </p:sp>
       <p:pic>
         <p:nvPicPr>
-          <p:cNvPr id="5" name="Content Placeholder 4" descr="A graph of gas properties&#10;&#10;Description automatically generated">
-            <a:extLst>
-              <a:ext uri="{FF2B5EF4-FFF2-40B4-BE49-F238E27FC236}">
-                <a16:creationId xmlns:a16="http://schemas.microsoft.com/office/drawing/2014/main" id="{64A5B05A-FA58-96D2-86C7-45A8EB06A713}"/>
+          <p:cNvPr id="4" name="Picture 3" descr="A graph of a graph&#10;&#10;Description automatically generated">
+            <a:extLst>
+              <a:ext uri="{FF2B5EF4-FFF2-40B4-BE49-F238E27FC236}">
+                <a16:creationId xmlns:a16="http://schemas.microsoft.com/office/drawing/2014/main" id="{9A25CA75-C72F-69C4-0A92-81BF6B98F1E3}"/>
               </a:ext>
             </a:extLst>
           </p:cNvPr>
           <p:cNvPicPr>
-            <a:picLocks noGrp="1" noChangeAspect="1"/>
+            <a:picLocks noChangeAspect="1"/>
           </p:cNvPicPr>
-          <p:nvPr>
-            <p:ph idx="1"/>
-          </p:nvPr>
+          <p:nvPr/>
         </p:nvPicPr>
         <p:blipFill>
           <a:blip r:embed="rId2">
@@ -3486,17 +3563,20 @@
         </p:blipFill>
         <p:spPr>
           <a:xfrm>
-            <a:off x="287833" y="1531230"/>
-            <a:ext cx="5589155" cy="4347892"/>
-          </a:xfrm>
+            <a:off x="0" y="1372035"/>
+            <a:ext cx="6271803" cy="4724809"/>
+          </a:xfrm>
+          <a:prstGeom prst="rect">
+            <a:avLst/>
+          </a:prstGeom>
         </p:spPr>
       </p:pic>
       <p:pic>
         <p:nvPicPr>
-          <p:cNvPr id="8" name="Picture 7" descr="A graph of a pulse&#10;&#10;Description automatically generated">
-            <a:extLst>
-              <a:ext uri="{FF2B5EF4-FFF2-40B4-BE49-F238E27FC236}">
-                <a16:creationId xmlns:a16="http://schemas.microsoft.com/office/drawing/2014/main" id="{7789A889-06D3-4132-9053-39863B4FA42E}"/>
+          <p:cNvPr id="5" name="Picture 4" descr="A graph of a graph showing different types of data&#10;&#10;Description automatically generated">
+            <a:extLst>
+              <a:ext uri="{FF2B5EF4-FFF2-40B4-BE49-F238E27FC236}">
+                <a16:creationId xmlns:a16="http://schemas.microsoft.com/office/drawing/2014/main" id="{954AA7D3-B2A8-3C2E-F9ED-CF13FA120AB6}"/>
               </a:ext>
             </a:extLst>
           </p:cNvPr>
@@ -3519,51 +3599,18 @@
         </p:blipFill>
         <p:spPr>
           <a:xfrm>
-            <a:off x="5921949" y="1314926"/>
-            <a:ext cx="5982218" cy="4740051"/>
+            <a:off x="6096000" y="1392919"/>
+            <a:ext cx="6035563" cy="4709568"/>
           </a:xfrm>
           <a:prstGeom prst="rect">
             <a:avLst/>
           </a:prstGeom>
         </p:spPr>
       </p:pic>
-      <p:sp>
-        <p:nvSpPr>
-          <p:cNvPr id="9" name="Title 1">
-            <a:extLst>
-              <a:ext uri="{FF2B5EF4-FFF2-40B4-BE49-F238E27FC236}">
-                <a16:creationId xmlns:a16="http://schemas.microsoft.com/office/drawing/2014/main" id="{05EA8390-A8A0-3E8B-45F9-21240599DF29}"/>
-              </a:ext>
-            </a:extLst>
-          </p:cNvPr>
-          <p:cNvSpPr>
-            <a:spLocks noGrp="1"/>
-          </p:cNvSpPr>
-          <p:nvPr>
-            <p:ph type="title"/>
-          </p:nvPr>
-        </p:nvSpPr>
-        <p:spPr>
-          <a:xfrm>
-            <a:off x="838200" y="365125"/>
-            <a:ext cx="10515600" cy="1325563"/>
-          </a:xfrm>
-        </p:spPr>
-        <p:txBody>
-          <a:bodyPr/>
-          <a:lstStyle/>
-          <a:p>
-            <a:r>
-              <a:rPr lang="en-GB" dirty="0"/>
-              <a:t>Example run</a:t>
-            </a:r>
-          </a:p>
-        </p:txBody>
-      </p:sp>
     </p:spTree>
     <p:extLst>
       <p:ext uri="{BB962C8B-B14F-4D97-AF65-F5344CB8AC3E}">
-        <p14:creationId xmlns:p14="http://schemas.microsoft.com/office/powerpoint/2010/main" val="339885508"/>
+        <p14:creationId xmlns:p14="http://schemas.microsoft.com/office/powerpoint/2010/main" val="607774997"/>
       </p:ext>
     </p:extLst>
   </p:cSld>
@@ -3595,7 +3642,7 @@
           <p:cNvPr id="2" name="Title 1">
             <a:extLst>
               <a:ext uri="{FF2B5EF4-FFF2-40B4-BE49-F238E27FC236}">
-                <a16:creationId xmlns:a16="http://schemas.microsoft.com/office/drawing/2014/main" id="{C85D0735-5DC1-58A9-51DB-C072A56B1ED2}"/>
+                <a16:creationId xmlns:a16="http://schemas.microsoft.com/office/drawing/2014/main" id="{C3411C33-81C6-2FC6-A2DB-E26648B4977E}"/>
               </a:ext>
             </a:extLst>
           </p:cNvPr>
@@ -3612,50 +3659,27 @@
           <a:lstStyle/>
           <a:p>
             <a:r>
-              <a:rPr lang="en-GB" dirty="0"/>
+              <a:rPr lang="en-GB" u="sng" dirty="0"/>
               <a:t>Example run</a:t>
             </a:r>
-          </a:p>
-        </p:txBody>
-      </p:sp>
-      <p:sp>
-        <p:nvSpPr>
-          <p:cNvPr id="3" name="Content Placeholder 2">
-            <a:extLst>
-              <a:ext uri="{FF2B5EF4-FFF2-40B4-BE49-F238E27FC236}">
-                <a16:creationId xmlns:a16="http://schemas.microsoft.com/office/drawing/2014/main" id="{2C4437C2-CACF-DB6D-16C4-5BD38B57AA5D}"/>
-              </a:ext>
-            </a:extLst>
-          </p:cNvPr>
-          <p:cNvSpPr>
-            <a:spLocks noGrp="1"/>
-          </p:cNvSpPr>
-          <p:nvPr>
-            <p:ph idx="1"/>
-          </p:nvPr>
-        </p:nvSpPr>
-        <p:spPr/>
-        <p:txBody>
-          <a:bodyPr/>
-          <a:lstStyle/>
-          <a:p>
-            <a:endParaRPr lang="en-GB"/>
           </a:p>
         </p:txBody>
       </p:sp>
       <p:pic>
         <p:nvPicPr>
-          <p:cNvPr id="4" name="Picture 3" descr="A chart of a graph&#10;&#10;Description automatically generated">
-            <a:extLst>
-              <a:ext uri="{FF2B5EF4-FFF2-40B4-BE49-F238E27FC236}">
-                <a16:creationId xmlns:a16="http://schemas.microsoft.com/office/drawing/2014/main" id="{0A028F3F-25C6-3142-CD22-A22EC4981CF3}"/>
+          <p:cNvPr id="5" name="Content Placeholder 4" descr="A graph of a line graph&#10;&#10;Description automatically generated">
+            <a:extLst>
+              <a:ext uri="{FF2B5EF4-FFF2-40B4-BE49-F238E27FC236}">
+                <a16:creationId xmlns:a16="http://schemas.microsoft.com/office/drawing/2014/main" id="{32C7AC95-7EB7-62BA-49C0-6BEBA73DE5FA}"/>
               </a:ext>
             </a:extLst>
           </p:cNvPr>
           <p:cNvPicPr>
-            <a:picLocks noChangeAspect="1"/>
+            <a:picLocks noGrp="1" noChangeAspect="1"/>
           </p:cNvPicPr>
-          <p:nvPr/>
+          <p:nvPr>
+            <p:ph idx="1"/>
+          </p:nvPr>
         </p:nvPicPr>
         <p:blipFill>
           <a:blip r:embed="rId2">
@@ -3671,20 +3695,17 @@
         </p:blipFill>
         <p:spPr>
           <a:xfrm>
-            <a:off x="202085" y="1600643"/>
-            <a:ext cx="6248942" cy="4701947"/>
-          </a:xfrm>
-          <a:prstGeom prst="rect">
-            <a:avLst/>
-          </a:prstGeom>
+            <a:off x="5949553" y="1773774"/>
+            <a:ext cx="5524492" cy="4351338"/>
+          </a:xfrm>
         </p:spPr>
       </p:pic>
       <p:pic>
         <p:nvPicPr>
-          <p:cNvPr id="5" name="Picture 4" descr="A chart of a frequency evolution&#10;&#10;Description automatically generated">
-            <a:extLst>
-              <a:ext uri="{FF2B5EF4-FFF2-40B4-BE49-F238E27FC236}">
-                <a16:creationId xmlns:a16="http://schemas.microsoft.com/office/drawing/2014/main" id="{37F6D11C-A87B-0C12-CBBC-1D5A59AB8452}"/>
+          <p:cNvPr id="11" name="Picture 10" descr="A graph of energy and uv energy&#10;&#10;Description automatically generated">
+            <a:extLst>
+              <a:ext uri="{FF2B5EF4-FFF2-40B4-BE49-F238E27FC236}">
+                <a16:creationId xmlns:a16="http://schemas.microsoft.com/office/drawing/2014/main" id="{F91DD64B-42BD-A463-A5F5-8CB908A3C105}"/>
               </a:ext>
             </a:extLst>
           </p:cNvPr>
@@ -3707,18 +3728,107 @@
         </p:blipFill>
         <p:spPr>
           <a:xfrm>
-            <a:off x="6255927" y="1695623"/>
-            <a:ext cx="5951736" cy="4701947"/>
+            <a:off x="90920" y="1605021"/>
+            <a:ext cx="6005080" cy="4694327"/>
           </a:xfrm>
           <a:prstGeom prst="rect">
             <a:avLst/>
           </a:prstGeom>
         </p:spPr>
       </p:pic>
+      <p:sp>
+        <p:nvSpPr>
+          <p:cNvPr id="21" name="TextBox 20">
+            <a:extLst>
+              <a:ext uri="{FF2B5EF4-FFF2-40B4-BE49-F238E27FC236}">
+                <a16:creationId xmlns:a16="http://schemas.microsoft.com/office/drawing/2014/main" id="{18B1A2EA-4166-202A-6023-AFE13FF903D5}"/>
+              </a:ext>
+            </a:extLst>
+          </p:cNvPr>
+          <p:cNvSpPr txBox="1"/>
+          <p:nvPr/>
+        </p:nvSpPr>
+        <p:spPr>
+          <a:xfrm>
+            <a:off x="1486161" y="6308209"/>
+            <a:ext cx="3214598" cy="369332"/>
+          </a:xfrm>
+          <a:prstGeom prst="rect">
+            <a:avLst/>
+          </a:prstGeom>
+          <a:noFill/>
+        </p:spPr>
+        <p:txBody>
+          <a:bodyPr wrap="none" rtlCol="0">
+            <a:spAutoFit/>
+          </a:bodyPr>
+          <a:lstStyle/>
+          <a:p>
+            <a:r>
+              <a:rPr lang="en-GB" b="1" dirty="0"/>
+              <a:t>Measured pulse energy:  </a:t>
+            </a:r>
+            <a:r>
+              <a:rPr lang="en-GB" b="1" dirty="0">
+                <a:solidFill>
+                  <a:srgbClr val="002060"/>
+                </a:solidFill>
+              </a:rPr>
+              <a:t>110nJ</a:t>
+            </a:r>
+          </a:p>
+        </p:txBody>
+      </p:sp>
+      <p:sp>
+        <p:nvSpPr>
+          <p:cNvPr id="3" name="Arrow: Up 2">
+            <a:extLst>
+              <a:ext uri="{FF2B5EF4-FFF2-40B4-BE49-F238E27FC236}">
+                <a16:creationId xmlns:a16="http://schemas.microsoft.com/office/drawing/2014/main" id="{06B5605A-FEE9-5D63-C770-6C3A2A338FD3}"/>
+              </a:ext>
+            </a:extLst>
+          </p:cNvPr>
+          <p:cNvSpPr/>
+          <p:nvPr/>
+        </p:nvSpPr>
+        <p:spPr>
+          <a:xfrm rot="19804508">
+            <a:off x="2399071" y="5966871"/>
+            <a:ext cx="216310" cy="367763"/>
+          </a:xfrm>
+          <a:prstGeom prst="upArrow">
+            <a:avLst/>
+          </a:prstGeom>
+        </p:spPr>
+        <p:style>
+          <a:lnRef idx="2">
+            <a:schemeClr val="accent1">
+              <a:shade val="15000"/>
+            </a:schemeClr>
+          </a:lnRef>
+          <a:fillRef idx="1">
+            <a:schemeClr val="accent1"/>
+          </a:fillRef>
+          <a:effectRef idx="0">
+            <a:schemeClr val="accent1"/>
+          </a:effectRef>
+          <a:fontRef idx="minor">
+            <a:schemeClr val="lt1"/>
+          </a:fontRef>
+        </p:style>
+        <p:txBody>
+          <a:bodyPr rtlCol="0" anchor="ctr"/>
+          <a:lstStyle/>
+          <a:p>
+            <a:pPr algn="ctr"/>
+            <a:endParaRPr lang="en-GB"/>
+          </a:p>
+        </p:txBody>
+      </p:sp>
     </p:spTree>
     <p:extLst>
       <p:ext uri="{BB962C8B-B14F-4D97-AF65-F5344CB8AC3E}">
-        <p14:creationId xmlns:p14="http://schemas.microsoft.com/office/powerpoint/2010/main" val="2071873765"/>
+        <p14:creationId xmlns:p14="http://schemas.microsoft.com/office/powerpoint/2010/main" val="2341579963"/>
       </p:ext>
     </p:extLst>
   </p:cSld>
@@ -3750,7 +3860,7 @@
           <p:cNvPr id="2" name="Title 1">
             <a:extLst>
               <a:ext uri="{FF2B5EF4-FFF2-40B4-BE49-F238E27FC236}">
-                <a16:creationId xmlns:a16="http://schemas.microsoft.com/office/drawing/2014/main" id="{4E96460A-7BDF-D325-029E-0ECA8E18429E}"/>
+                <a16:creationId xmlns:a16="http://schemas.microsoft.com/office/drawing/2014/main" id="{9CBBF281-37D7-6D7C-4044-2FA7DE5165E6}"/>
               </a:ext>
             </a:extLst>
           </p:cNvPr>
@@ -3767,18 +3877,118 @@
           <a:lstStyle/>
           <a:p>
             <a:r>
+              <a:rPr lang="en-GB" b="1" u="sng" dirty="0"/>
+              <a:t>Pressure scan</a:t>
+            </a:r>
+          </a:p>
+        </p:txBody>
+      </p:sp>
+      <p:sp>
+        <p:nvSpPr>
+          <p:cNvPr id="3" name="Content Placeholder 2">
+            <a:extLst>
+              <a:ext uri="{FF2B5EF4-FFF2-40B4-BE49-F238E27FC236}">
+                <a16:creationId xmlns:a16="http://schemas.microsoft.com/office/drawing/2014/main" id="{F05FCE07-FF58-D69C-55F0-CED7813152BB}"/>
+              </a:ext>
+            </a:extLst>
+          </p:cNvPr>
+          <p:cNvSpPr>
+            <a:spLocks noGrp="1"/>
+          </p:cNvSpPr>
+          <p:nvPr>
+            <p:ph idx="1"/>
+          </p:nvPr>
+        </p:nvSpPr>
+        <p:spPr>
+          <a:xfrm>
+            <a:off x="673510" y="1690688"/>
+            <a:ext cx="10680290" cy="4802187"/>
+          </a:xfrm>
+        </p:spPr>
+        <p:txBody>
+          <a:bodyPr>
+            <a:normAutofit fontScale="92500" lnSpcReduction="10000"/>
+          </a:bodyPr>
+          <a:lstStyle/>
+          <a:p>
+            <a:pPr marL="0" indent="0">
+              <a:buNone/>
+            </a:pPr>
+            <a:r>
               <a:rPr lang="en-GB" dirty="0"/>
-              <a:t>Example run</a:t>
-            </a:r>
+              <a:t>Ran simulations for Argon and 150mW pulses with pressures ranging from 0.1 bar to 1.0 bar:</a:t>
+            </a:r>
+          </a:p>
+          <a:p>
+            <a:endParaRPr lang="en-GB" dirty="0"/>
+          </a:p>
+          <a:p>
+            <a:endParaRPr lang="en-GB" dirty="0"/>
+          </a:p>
+          <a:p>
+            <a:endParaRPr lang="en-GB" dirty="0"/>
+          </a:p>
+          <a:p>
+            <a:endParaRPr lang="en-GB" dirty="0"/>
+          </a:p>
+          <a:p>
+            <a:endParaRPr lang="en-GB" dirty="0"/>
+          </a:p>
+          <a:p>
+            <a:endParaRPr lang="en-GB" dirty="0"/>
+          </a:p>
+          <a:p>
+            <a:endParaRPr lang="en-GB" b="1" dirty="0">
+              <a:solidFill>
+                <a:schemeClr val="tx2"/>
+              </a:solidFill>
+            </a:endParaRPr>
+          </a:p>
+          <a:p>
+            <a:pPr marL="0" indent="0">
+              <a:buNone/>
+            </a:pPr>
+            <a:endParaRPr lang="en-GB" b="1" dirty="0"/>
+          </a:p>
+          <a:p>
+            <a:pPr marL="0" indent="0">
+              <a:buNone/>
+            </a:pPr>
+            <a:r>
+              <a:rPr lang="en-GB" b="1" dirty="0">
+                <a:solidFill>
+                  <a:srgbClr val="002060"/>
+                </a:solidFill>
+              </a:rPr>
+              <a:t>No saturation observed in simulations </a:t>
+            </a:r>
+          </a:p>
+          <a:p>
+            <a:pPr marL="457200" lvl="1" indent="0">
+              <a:buNone/>
+            </a:pPr>
+            <a:endParaRPr lang="en-GB" dirty="0"/>
+          </a:p>
+          <a:p>
+            <a:endParaRPr lang="en-GB" dirty="0"/>
+          </a:p>
+          <a:p>
+            <a:endParaRPr lang="en-GB" dirty="0"/>
+          </a:p>
+          <a:p>
+            <a:pPr marL="0" indent="0">
+              <a:buNone/>
+            </a:pPr>
+            <a:endParaRPr lang="en-GB" dirty="0"/>
           </a:p>
         </p:txBody>
       </p:sp>
       <p:pic>
         <p:nvPicPr>
-          <p:cNvPr id="4" name="Picture 3" descr="A graph of a graph of a number of objects&#10;&#10;Description automatically generated">
-            <a:extLst>
-              <a:ext uri="{FF2B5EF4-FFF2-40B4-BE49-F238E27FC236}">
-                <a16:creationId xmlns:a16="http://schemas.microsoft.com/office/drawing/2014/main" id="{69B82BA0-D9D1-C8DD-6E73-A2726B9081EB}"/>
+          <p:cNvPr id="5" name="Picture 4" descr="A graph with red and purple lines&#10;&#10;Description automatically generated">
+            <a:extLst>
+              <a:ext uri="{FF2B5EF4-FFF2-40B4-BE49-F238E27FC236}">
+                <a16:creationId xmlns:a16="http://schemas.microsoft.com/office/drawing/2014/main" id="{2836E9E4-4D3A-5738-6A4B-35ADDCE550DB}"/>
               </a:ext>
             </a:extLst>
           </p:cNvPr>
@@ -3801,8 +4011,8 @@
         </p:blipFill>
         <p:spPr>
           <a:xfrm>
-            <a:off x="126834" y="1482636"/>
-            <a:ext cx="5845047" cy="4694327"/>
+            <a:off x="1002890" y="2405190"/>
+            <a:ext cx="4788310" cy="3192207"/>
           </a:xfrm>
           <a:prstGeom prst="rect">
             <a:avLst/>
@@ -3811,10 +4021,10 @@
       </p:pic>
       <p:pic>
         <p:nvPicPr>
-          <p:cNvPr id="5" name="Picture 4" descr="A graph of a pulse&#10;&#10;Description automatically generated">
-            <a:extLst>
-              <a:ext uri="{FF2B5EF4-FFF2-40B4-BE49-F238E27FC236}">
-                <a16:creationId xmlns:a16="http://schemas.microsoft.com/office/drawing/2014/main" id="{2BB8D2B5-2EDE-6071-4401-D4846D09FD5D}"/>
+          <p:cNvPr id="7" name="Picture 6" descr="A graph with a line and a red line&#10;&#10;Description automatically generated">
+            <a:extLst>
+              <a:ext uri="{FF2B5EF4-FFF2-40B4-BE49-F238E27FC236}">
+                <a16:creationId xmlns:a16="http://schemas.microsoft.com/office/drawing/2014/main" id="{0ECC7EB6-FBEF-9872-B32A-941BF5EE7453}"/>
               </a:ext>
             </a:extLst>
           </p:cNvPr>
@@ -3837,18 +4047,53 @@
         </p:blipFill>
         <p:spPr>
           <a:xfrm>
-            <a:off x="6346953" y="1520740"/>
-            <a:ext cx="5845047" cy="4656223"/>
+            <a:off x="6730180" y="2405190"/>
+            <a:ext cx="4788310" cy="3192207"/>
           </a:xfrm>
           <a:prstGeom prst="rect">
             <a:avLst/>
           </a:prstGeom>
         </p:spPr>
       </p:pic>
+      <p:sp>
+        <p:nvSpPr>
+          <p:cNvPr id="8" name="TextBox 7">
+            <a:extLst>
+              <a:ext uri="{FF2B5EF4-FFF2-40B4-BE49-F238E27FC236}">
+                <a16:creationId xmlns:a16="http://schemas.microsoft.com/office/drawing/2014/main" id="{80B4078A-68D2-84C4-2F6D-233B833478E0}"/>
+              </a:ext>
+            </a:extLst>
+          </p:cNvPr>
+          <p:cNvSpPr txBox="1"/>
+          <p:nvPr/>
+        </p:nvSpPr>
+        <p:spPr>
+          <a:xfrm>
+            <a:off x="9674942" y="4493341"/>
+            <a:ext cx="1096006" cy="369332"/>
+          </a:xfrm>
+          <a:prstGeom prst="rect">
+            <a:avLst/>
+          </a:prstGeom>
+          <a:noFill/>
+        </p:spPr>
+        <p:txBody>
+          <a:bodyPr wrap="none" rtlCol="0">
+            <a:spAutoFit/>
+          </a:bodyPr>
+          <a:lstStyle/>
+          <a:p>
+            <a:r>
+              <a:rPr lang="en-GB" b="1" dirty="0"/>
+              <a:t>[zoomed]</a:t>
+            </a:r>
+          </a:p>
+        </p:txBody>
+      </p:sp>
     </p:spTree>
     <p:extLst>
       <p:ext uri="{BB962C8B-B14F-4D97-AF65-F5344CB8AC3E}">
-        <p14:creationId xmlns:p14="http://schemas.microsoft.com/office/powerpoint/2010/main" val="3173447916"/>
+        <p14:creationId xmlns:p14="http://schemas.microsoft.com/office/powerpoint/2010/main" val="1252344837"/>
       </p:ext>
     </p:extLst>
   </p:cSld>
@@ -3880,7 +4125,7 @@
           <p:cNvPr id="2" name="Title 1">
             <a:extLst>
               <a:ext uri="{FF2B5EF4-FFF2-40B4-BE49-F238E27FC236}">
-                <a16:creationId xmlns:a16="http://schemas.microsoft.com/office/drawing/2014/main" id="{ECBD7F64-4CE7-869F-B7E4-02F8A6327CB3}"/>
+                <a16:creationId xmlns:a16="http://schemas.microsoft.com/office/drawing/2014/main" id="{C3589BBC-DE62-F597-8A84-F7C418E47C20}"/>
               </a:ext>
             </a:extLst>
           </p:cNvPr>
@@ -3897,43 +4142,18 @@
           <a:lstStyle/>
           <a:p>
             <a:r>
-              <a:rPr lang="en-GB" dirty="0"/>
-              <a:t>Example run</a:t>
-            </a:r>
-          </a:p>
-        </p:txBody>
-      </p:sp>
-      <p:sp>
-        <p:nvSpPr>
-          <p:cNvPr id="3" name="Content Placeholder 2">
-            <a:extLst>
-              <a:ext uri="{FF2B5EF4-FFF2-40B4-BE49-F238E27FC236}">
-                <a16:creationId xmlns:a16="http://schemas.microsoft.com/office/drawing/2014/main" id="{65B396B9-617E-A83D-81ED-B494B7397571}"/>
-              </a:ext>
-            </a:extLst>
-          </p:cNvPr>
-          <p:cNvSpPr>
-            <a:spLocks noGrp="1"/>
-          </p:cNvSpPr>
-          <p:nvPr>
-            <p:ph idx="1"/>
-          </p:nvPr>
-        </p:nvSpPr>
-        <p:spPr/>
-        <p:txBody>
-          <a:bodyPr/>
-          <a:lstStyle/>
-          <a:p>
-            <a:endParaRPr lang="en-GB"/>
+              <a:rPr lang="en-GB" u="sng" dirty="0"/>
+              <a:t>Pressure scan: spectra</a:t>
+            </a:r>
           </a:p>
         </p:txBody>
       </p:sp>
       <p:pic>
         <p:nvPicPr>
-          <p:cNvPr id="4" name="Picture 3" descr="A graph of a graph&#10;&#10;Description automatically generated">
-            <a:extLst>
-              <a:ext uri="{FF2B5EF4-FFF2-40B4-BE49-F238E27FC236}">
-                <a16:creationId xmlns:a16="http://schemas.microsoft.com/office/drawing/2014/main" id="{9A25CA75-C72F-69C4-0A92-81BF6B98F1E3}"/>
+          <p:cNvPr id="5" name="Picture 4" descr="A graph of a line graph&#10;&#10;Description automatically generated">
+            <a:extLst>
+              <a:ext uri="{FF2B5EF4-FFF2-40B4-BE49-F238E27FC236}">
+                <a16:creationId xmlns:a16="http://schemas.microsoft.com/office/drawing/2014/main" id="{1561E675-F732-45D9-CFA0-8445D2A07435}"/>
               </a:ext>
             </a:extLst>
           </p:cNvPr>
@@ -3956,8 +4176,8 @@
         </p:blipFill>
         <p:spPr>
           <a:xfrm>
-            <a:off x="0" y="1372035"/>
-            <a:ext cx="6271803" cy="4724809"/>
+            <a:off x="481193" y="1262110"/>
+            <a:ext cx="3128281" cy="2343353"/>
           </a:xfrm>
           <a:prstGeom prst="rect">
             <a:avLst/>
@@ -3966,10 +4186,10 @@
       </p:pic>
       <p:pic>
         <p:nvPicPr>
-          <p:cNvPr id="5" name="Picture 4" descr="A graph of a graph showing different types of data&#10;&#10;Description automatically generated">
-            <a:extLst>
-              <a:ext uri="{FF2B5EF4-FFF2-40B4-BE49-F238E27FC236}">
-                <a16:creationId xmlns:a16="http://schemas.microsoft.com/office/drawing/2014/main" id="{954AA7D3-B2A8-3C2E-F9ED-CF13FA120AB6}"/>
+          <p:cNvPr id="7" name="Picture 6" descr="A graph of a line graph&#10;&#10;Description automatically generated">
+            <a:extLst>
+              <a:ext uri="{FF2B5EF4-FFF2-40B4-BE49-F238E27FC236}">
+                <a16:creationId xmlns:a16="http://schemas.microsoft.com/office/drawing/2014/main" id="{F9673654-7AFC-54AC-FA54-CCAFA9213D25}"/>
               </a:ext>
             </a:extLst>
           </p:cNvPr>
@@ -3992,18 +4212,421 @@
         </p:blipFill>
         <p:spPr>
           <a:xfrm>
-            <a:off x="6096000" y="1392919"/>
-            <a:ext cx="6035563" cy="4709568"/>
+            <a:off x="4179830" y="1262110"/>
+            <a:ext cx="3128282" cy="2409409"/>
           </a:xfrm>
           <a:prstGeom prst="rect">
             <a:avLst/>
           </a:prstGeom>
         </p:spPr>
       </p:pic>
+      <p:pic>
+        <p:nvPicPr>
+          <p:cNvPr id="9" name="Picture 8" descr="A graph of a line graph&#10;&#10;Description automatically generated">
+            <a:extLst>
+              <a:ext uri="{FF2B5EF4-FFF2-40B4-BE49-F238E27FC236}">
+                <a16:creationId xmlns:a16="http://schemas.microsoft.com/office/drawing/2014/main" id="{DA8B09FE-EECD-BB04-10CF-3AF8BEFFA821}"/>
+              </a:ext>
+            </a:extLst>
+          </p:cNvPr>
+          <p:cNvPicPr>
+            <a:picLocks noChangeAspect="1"/>
+          </p:cNvPicPr>
+          <p:nvPr/>
+        </p:nvPicPr>
+        <p:blipFill>
+          <a:blip r:embed="rId4">
+            <a:extLst>
+              <a:ext uri="{28A0092B-C50C-407E-A947-70E740481C1C}">
+                <a14:useLocalDpi xmlns:a14="http://schemas.microsoft.com/office/drawing/2010/main" val="0"/>
+              </a:ext>
+            </a:extLst>
+          </a:blip>
+          <a:stretch>
+            <a:fillRect/>
+          </a:stretch>
+        </p:blipFill>
+        <p:spPr>
+          <a:xfrm>
+            <a:off x="8027435" y="1262109"/>
+            <a:ext cx="3138936" cy="2409409"/>
+          </a:xfrm>
+          <a:prstGeom prst="rect">
+            <a:avLst/>
+          </a:prstGeom>
+        </p:spPr>
+      </p:pic>
+      <p:pic>
+        <p:nvPicPr>
+          <p:cNvPr id="11" name="Picture 10" descr="A graph of a line graph&#10;&#10;Description automatically generated">
+            <a:extLst>
+              <a:ext uri="{FF2B5EF4-FFF2-40B4-BE49-F238E27FC236}">
+                <a16:creationId xmlns:a16="http://schemas.microsoft.com/office/drawing/2014/main" id="{739D3E51-1980-6410-17EE-77C196EA557B}"/>
+              </a:ext>
+            </a:extLst>
+          </p:cNvPr>
+          <p:cNvPicPr>
+            <a:picLocks noChangeAspect="1"/>
+          </p:cNvPicPr>
+          <p:nvPr/>
+        </p:nvPicPr>
+        <p:blipFill>
+          <a:blip r:embed="rId5">
+            <a:extLst>
+              <a:ext uri="{28A0092B-C50C-407E-A947-70E740481C1C}">
+                <a14:useLocalDpi xmlns:a14="http://schemas.microsoft.com/office/drawing/2010/main" val="0"/>
+              </a:ext>
+            </a:extLst>
+          </a:blip>
+          <a:stretch>
+            <a:fillRect/>
+          </a:stretch>
+        </p:blipFill>
+        <p:spPr>
+          <a:xfrm>
+            <a:off x="455806" y="3685673"/>
+            <a:ext cx="3074936" cy="2347163"/>
+          </a:xfrm>
+          <a:prstGeom prst="rect">
+            <a:avLst/>
+          </a:prstGeom>
+        </p:spPr>
+      </p:pic>
+      <p:pic>
+        <p:nvPicPr>
+          <p:cNvPr id="13" name="Picture 12" descr="A graph of a line graph&#10;&#10;Description automatically generated">
+            <a:extLst>
+              <a:ext uri="{FF2B5EF4-FFF2-40B4-BE49-F238E27FC236}">
+                <a16:creationId xmlns:a16="http://schemas.microsoft.com/office/drawing/2014/main" id="{38E123EE-7ED8-622E-4C7A-D449DBA62D1A}"/>
+              </a:ext>
+            </a:extLst>
+          </p:cNvPr>
+          <p:cNvPicPr>
+            <a:picLocks noChangeAspect="1"/>
+          </p:cNvPicPr>
+          <p:nvPr/>
+        </p:nvPicPr>
+        <p:blipFill>
+          <a:blip r:embed="rId6">
+            <a:extLst>
+              <a:ext uri="{28A0092B-C50C-407E-A947-70E740481C1C}">
+                <a14:useLocalDpi xmlns:a14="http://schemas.microsoft.com/office/drawing/2010/main" val="0"/>
+              </a:ext>
+            </a:extLst>
+          </a:blip>
+          <a:stretch>
+            <a:fillRect/>
+          </a:stretch>
+        </p:blipFill>
+        <p:spPr>
+          <a:xfrm>
+            <a:off x="4098104" y="3612049"/>
+            <a:ext cx="3440701" cy="2558577"/>
+          </a:xfrm>
+          <a:prstGeom prst="rect">
+            <a:avLst/>
+          </a:prstGeom>
+        </p:spPr>
+      </p:pic>
+      <p:pic>
+        <p:nvPicPr>
+          <p:cNvPr id="15" name="Picture 14" descr="A graph of a line graph&#10;&#10;Description automatically generated">
+            <a:extLst>
+              <a:ext uri="{FF2B5EF4-FFF2-40B4-BE49-F238E27FC236}">
+                <a16:creationId xmlns:a16="http://schemas.microsoft.com/office/drawing/2014/main" id="{9B773780-5250-05B1-E3CC-84C69D144137}"/>
+              </a:ext>
+            </a:extLst>
+          </p:cNvPr>
+          <p:cNvPicPr>
+            <a:picLocks noChangeAspect="1"/>
+          </p:cNvPicPr>
+          <p:nvPr/>
+        </p:nvPicPr>
+        <p:blipFill>
+          <a:blip r:embed="rId7">
+            <a:extLst>
+              <a:ext uri="{28A0092B-C50C-407E-A947-70E740481C1C}">
+                <a14:useLocalDpi xmlns:a14="http://schemas.microsoft.com/office/drawing/2010/main" val="0"/>
+              </a:ext>
+            </a:extLst>
+          </a:blip>
+          <a:stretch>
+            <a:fillRect/>
+          </a:stretch>
+        </p:blipFill>
+        <p:spPr>
+          <a:xfrm>
+            <a:off x="8103555" y="3701715"/>
+            <a:ext cx="3349328" cy="2492523"/>
+          </a:xfrm>
+          <a:prstGeom prst="rect">
+            <a:avLst/>
+          </a:prstGeom>
+        </p:spPr>
+      </p:pic>
+      <p:sp>
+        <p:nvSpPr>
+          <p:cNvPr id="17" name="TextBox 16">
+            <a:extLst>
+              <a:ext uri="{FF2B5EF4-FFF2-40B4-BE49-F238E27FC236}">
+                <a16:creationId xmlns:a16="http://schemas.microsoft.com/office/drawing/2014/main" id="{173C1D3B-6B23-E1C4-9451-BF7EB2F53D6F}"/>
+              </a:ext>
+            </a:extLst>
+          </p:cNvPr>
+          <p:cNvSpPr txBox="1"/>
+          <p:nvPr/>
+        </p:nvSpPr>
+        <p:spPr>
+          <a:xfrm>
+            <a:off x="2308337" y="1966451"/>
+            <a:ext cx="851515" cy="369332"/>
+          </a:xfrm>
+          <a:prstGeom prst="rect">
+            <a:avLst/>
+          </a:prstGeom>
+          <a:noFill/>
+        </p:spPr>
+        <p:txBody>
+          <a:bodyPr wrap="none" rtlCol="0">
+            <a:spAutoFit/>
+          </a:bodyPr>
+          <a:lstStyle/>
+          <a:p>
+            <a:r>
+              <a:rPr lang="en-GB" b="1" dirty="0"/>
+              <a:t>0.1 bar</a:t>
+            </a:r>
+          </a:p>
+        </p:txBody>
+      </p:sp>
+      <p:sp>
+        <p:nvSpPr>
+          <p:cNvPr id="18" name="TextBox 17">
+            <a:extLst>
+              <a:ext uri="{FF2B5EF4-FFF2-40B4-BE49-F238E27FC236}">
+                <a16:creationId xmlns:a16="http://schemas.microsoft.com/office/drawing/2014/main" id="{2850852F-AC42-81AF-5458-805AE8C3B99D}"/>
+              </a:ext>
+            </a:extLst>
+          </p:cNvPr>
+          <p:cNvSpPr txBox="1"/>
+          <p:nvPr/>
+        </p:nvSpPr>
+        <p:spPr>
+          <a:xfrm>
+            <a:off x="5916777" y="1966451"/>
+            <a:ext cx="851515" cy="369332"/>
+          </a:xfrm>
+          <a:prstGeom prst="rect">
+            <a:avLst/>
+          </a:prstGeom>
+          <a:noFill/>
+        </p:spPr>
+        <p:txBody>
+          <a:bodyPr wrap="none" rtlCol="0">
+            <a:spAutoFit/>
+          </a:bodyPr>
+          <a:lstStyle/>
+          <a:p>
+            <a:r>
+              <a:rPr lang="en-GB" b="1" dirty="0"/>
+              <a:t>0.2 bar</a:t>
+            </a:r>
+          </a:p>
+        </p:txBody>
+      </p:sp>
+      <p:sp>
+        <p:nvSpPr>
+          <p:cNvPr id="19" name="TextBox 18">
+            <a:extLst>
+              <a:ext uri="{FF2B5EF4-FFF2-40B4-BE49-F238E27FC236}">
+                <a16:creationId xmlns:a16="http://schemas.microsoft.com/office/drawing/2014/main" id="{C0DDF51E-1FCE-DA0C-457C-19BB3CD3C082}"/>
+              </a:ext>
+            </a:extLst>
+          </p:cNvPr>
+          <p:cNvSpPr txBox="1"/>
+          <p:nvPr/>
+        </p:nvSpPr>
+        <p:spPr>
+          <a:xfrm>
+            <a:off x="9883663" y="2208195"/>
+            <a:ext cx="851515" cy="369332"/>
+          </a:xfrm>
+          <a:prstGeom prst="rect">
+            <a:avLst/>
+          </a:prstGeom>
+          <a:noFill/>
+        </p:spPr>
+        <p:txBody>
+          <a:bodyPr wrap="none" rtlCol="0">
+            <a:spAutoFit/>
+          </a:bodyPr>
+          <a:lstStyle/>
+          <a:p>
+            <a:r>
+              <a:rPr lang="en-GB" b="1" dirty="0"/>
+              <a:t>0.3 bar</a:t>
+            </a:r>
+          </a:p>
+        </p:txBody>
+      </p:sp>
+      <p:sp>
+        <p:nvSpPr>
+          <p:cNvPr id="20" name="TextBox 19">
+            <a:extLst>
+              <a:ext uri="{FF2B5EF4-FFF2-40B4-BE49-F238E27FC236}">
+                <a16:creationId xmlns:a16="http://schemas.microsoft.com/office/drawing/2014/main" id="{3B861F34-251F-1F79-3AB0-5E1DCFD2A559}"/>
+              </a:ext>
+            </a:extLst>
+          </p:cNvPr>
+          <p:cNvSpPr txBox="1"/>
+          <p:nvPr/>
+        </p:nvSpPr>
+        <p:spPr>
+          <a:xfrm>
+            <a:off x="2377163" y="4578644"/>
+            <a:ext cx="851515" cy="369332"/>
+          </a:xfrm>
+          <a:prstGeom prst="rect">
+            <a:avLst/>
+          </a:prstGeom>
+          <a:noFill/>
+        </p:spPr>
+        <p:txBody>
+          <a:bodyPr wrap="none" rtlCol="0">
+            <a:spAutoFit/>
+          </a:bodyPr>
+          <a:lstStyle/>
+          <a:p>
+            <a:r>
+              <a:rPr lang="en-GB" b="1" dirty="0"/>
+              <a:t>0.4 bar</a:t>
+            </a:r>
+          </a:p>
+        </p:txBody>
+      </p:sp>
+      <p:sp>
+        <p:nvSpPr>
+          <p:cNvPr id="21" name="TextBox 20">
+            <a:extLst>
+              <a:ext uri="{FF2B5EF4-FFF2-40B4-BE49-F238E27FC236}">
+                <a16:creationId xmlns:a16="http://schemas.microsoft.com/office/drawing/2014/main" id="{E5E6D1D1-04AD-BD8B-E3FF-E3165D191D96}"/>
+              </a:ext>
+            </a:extLst>
+          </p:cNvPr>
+          <p:cNvSpPr txBox="1"/>
+          <p:nvPr/>
+        </p:nvSpPr>
+        <p:spPr>
+          <a:xfrm>
+            <a:off x="5975771" y="4393978"/>
+            <a:ext cx="851515" cy="369332"/>
+          </a:xfrm>
+          <a:prstGeom prst="rect">
+            <a:avLst/>
+          </a:prstGeom>
+          <a:noFill/>
+        </p:spPr>
+        <p:txBody>
+          <a:bodyPr wrap="none" rtlCol="0">
+            <a:spAutoFit/>
+          </a:bodyPr>
+          <a:lstStyle/>
+          <a:p>
+            <a:r>
+              <a:rPr lang="en-GB" b="1" dirty="0"/>
+              <a:t>0.5 bar</a:t>
+            </a:r>
+          </a:p>
+        </p:txBody>
+      </p:sp>
+      <p:sp>
+        <p:nvSpPr>
+          <p:cNvPr id="22" name="TextBox 21">
+            <a:extLst>
+              <a:ext uri="{FF2B5EF4-FFF2-40B4-BE49-F238E27FC236}">
+                <a16:creationId xmlns:a16="http://schemas.microsoft.com/office/drawing/2014/main" id="{C70693AD-413A-2F04-C339-0EB23C873969}"/>
+              </a:ext>
+            </a:extLst>
+          </p:cNvPr>
+          <p:cNvSpPr txBox="1"/>
+          <p:nvPr/>
+        </p:nvSpPr>
+        <p:spPr>
+          <a:xfrm>
+            <a:off x="10213474" y="4706671"/>
+            <a:ext cx="851515" cy="369332"/>
+          </a:xfrm>
+          <a:prstGeom prst="rect">
+            <a:avLst/>
+          </a:prstGeom>
+          <a:noFill/>
+        </p:spPr>
+        <p:txBody>
+          <a:bodyPr wrap="none" rtlCol="0">
+            <a:spAutoFit/>
+          </a:bodyPr>
+          <a:lstStyle/>
+          <a:p>
+            <a:r>
+              <a:rPr lang="en-GB" b="1" dirty="0"/>
+              <a:t>0.6 bar</a:t>
+            </a:r>
+          </a:p>
+        </p:txBody>
+      </p:sp>
+      <p:sp>
+        <p:nvSpPr>
+          <p:cNvPr id="3" name="TextBox 2">
+            <a:extLst>
+              <a:ext uri="{FF2B5EF4-FFF2-40B4-BE49-F238E27FC236}">
+                <a16:creationId xmlns:a16="http://schemas.microsoft.com/office/drawing/2014/main" id="{9F3E3D84-A893-EC1D-FBB6-E394E20C0B80}"/>
+              </a:ext>
+            </a:extLst>
+          </p:cNvPr>
+          <p:cNvSpPr txBox="1"/>
+          <p:nvPr/>
+        </p:nvSpPr>
+        <p:spPr>
+          <a:xfrm>
+            <a:off x="8485239" y="589935"/>
+            <a:ext cx="1968296" cy="646331"/>
+          </a:xfrm>
+          <a:prstGeom prst="rect">
+            <a:avLst/>
+          </a:prstGeom>
+          <a:noFill/>
+        </p:spPr>
+        <p:txBody>
+          <a:bodyPr wrap="none" rtlCol="0">
+            <a:spAutoFit/>
+          </a:bodyPr>
+          <a:lstStyle/>
+          <a:p>
+            <a:r>
+              <a:rPr lang="en-GB" b="1" dirty="0">
+                <a:solidFill>
+                  <a:srgbClr val="FF0000"/>
+                </a:solidFill>
+              </a:rPr>
+              <a:t>Measured UV data</a:t>
+            </a:r>
+          </a:p>
+          <a:p>
+            <a:r>
+              <a:rPr lang="en-GB" b="1" dirty="0">
+                <a:solidFill>
+                  <a:srgbClr val="7030A0"/>
+                </a:solidFill>
+              </a:rPr>
+              <a:t>Simulated UV data</a:t>
+            </a:r>
+          </a:p>
+        </p:txBody>
+      </p:sp>
     </p:spTree>
     <p:extLst>
       <p:ext uri="{BB962C8B-B14F-4D97-AF65-F5344CB8AC3E}">
-        <p14:creationId xmlns:p14="http://schemas.microsoft.com/office/powerpoint/2010/main" val="607774997"/>
+        <p14:creationId xmlns:p14="http://schemas.microsoft.com/office/powerpoint/2010/main" val="699398935"/>
       </p:ext>
     </p:extLst>
   </p:cSld>
@@ -4035,7 +4658,7 @@
           <p:cNvPr id="2" name="Title 1">
             <a:extLst>
               <a:ext uri="{FF2B5EF4-FFF2-40B4-BE49-F238E27FC236}">
-                <a16:creationId xmlns:a16="http://schemas.microsoft.com/office/drawing/2014/main" id="{C3411C33-81C6-2FC6-A2DB-E26648B4977E}"/>
+                <a16:creationId xmlns:a16="http://schemas.microsoft.com/office/drawing/2014/main" id="{8C9B8094-A5E5-56C0-0DAB-D0C8131A7594}"/>
               </a:ext>
             </a:extLst>
           </p:cNvPr>
@@ -4052,8 +4675,8 @@
           <a:lstStyle/>
           <a:p>
             <a:r>
-              <a:rPr lang="en-GB" dirty="0"/>
-              <a:t>Example run</a:t>
+              <a:rPr lang="en-GB" u="sng" dirty="0"/>
+              <a:t>Pressure scan: spectra</a:t>
             </a:r>
           </a:p>
         </p:txBody>
@@ -4063,7 +4686,7 @@
           <p:cNvPr id="5" name="Content Placeholder 4" descr="A graph of a line graph&#10;&#10;Description automatically generated">
             <a:extLst>
               <a:ext uri="{FF2B5EF4-FFF2-40B4-BE49-F238E27FC236}">
-                <a16:creationId xmlns:a16="http://schemas.microsoft.com/office/drawing/2014/main" id="{32C7AC95-7EB7-62BA-49C0-6BEBA73DE5FA}"/>
+                <a16:creationId xmlns:a16="http://schemas.microsoft.com/office/drawing/2014/main" id="{608BD2C7-EAE2-4EED-3160-0B15D56E1CDA}"/>
               </a:ext>
             </a:extLst>
           </p:cNvPr>
@@ -4088,17 +4711,17 @@
         </p:blipFill>
         <p:spPr>
           <a:xfrm>
-            <a:off x="5949553" y="1773774"/>
-            <a:ext cx="5524492" cy="4351338"/>
+            <a:off x="559039" y="1475874"/>
+            <a:ext cx="3846860" cy="2920416"/>
           </a:xfrm>
         </p:spPr>
       </p:pic>
       <p:pic>
         <p:nvPicPr>
-          <p:cNvPr id="11" name="Picture 10" descr="A graph of energy and uv energy&#10;&#10;Description automatically generated">
-            <a:extLst>
-              <a:ext uri="{FF2B5EF4-FFF2-40B4-BE49-F238E27FC236}">
-                <a16:creationId xmlns:a16="http://schemas.microsoft.com/office/drawing/2014/main" id="{F91DD64B-42BD-A463-A5F5-8CB908A3C105}"/>
+          <p:cNvPr id="7" name="Picture 6" descr="A graph of a line graph&#10;&#10;Description automatically generated">
+            <a:extLst>
+              <a:ext uri="{FF2B5EF4-FFF2-40B4-BE49-F238E27FC236}">
+                <a16:creationId xmlns:a16="http://schemas.microsoft.com/office/drawing/2014/main" id="{BA5CB39E-A760-2BD6-1611-3129B7F81D67}"/>
               </a:ext>
             </a:extLst>
           </p:cNvPr>
@@ -4121,20 +4744,56 @@
         </p:blipFill>
         <p:spPr>
           <a:xfrm>
-            <a:off x="90920" y="1605021"/>
-            <a:ext cx="6005080" cy="4694327"/>
+            <a:off x="4223301" y="1518068"/>
+            <a:ext cx="4026178" cy="3077079"/>
           </a:xfrm>
           <a:prstGeom prst="rect">
             <a:avLst/>
           </a:prstGeom>
         </p:spPr>
       </p:pic>
-      <p:sp>
-        <p:nvSpPr>
-          <p:cNvPr id="21" name="TextBox 20">
-            <a:extLst>
-              <a:ext uri="{FF2B5EF4-FFF2-40B4-BE49-F238E27FC236}">
-                <a16:creationId xmlns:a16="http://schemas.microsoft.com/office/drawing/2014/main" id="{18B1A2EA-4166-202A-6023-AFE13FF903D5}"/>
+      <p:pic>
+        <p:nvPicPr>
+          <p:cNvPr id="9" name="Picture 8" descr="A graph of a line graph&#10;&#10;Description automatically generated">
+            <a:extLst>
+              <a:ext uri="{FF2B5EF4-FFF2-40B4-BE49-F238E27FC236}">
+                <a16:creationId xmlns:a16="http://schemas.microsoft.com/office/drawing/2014/main" id="{B23CF36D-7568-9C25-FC2A-6D72EF4975AC}"/>
+              </a:ext>
+            </a:extLst>
+          </p:cNvPr>
+          <p:cNvPicPr>
+            <a:picLocks noChangeAspect="1"/>
+          </p:cNvPicPr>
+          <p:nvPr/>
+        </p:nvPicPr>
+        <p:blipFill>
+          <a:blip r:embed="rId4">
+            <a:extLst>
+              <a:ext uri="{28A0092B-C50C-407E-A947-70E740481C1C}">
+                <a14:useLocalDpi xmlns:a14="http://schemas.microsoft.com/office/drawing/2010/main" val="0"/>
+              </a:ext>
+            </a:extLst>
+          </a:blip>
+          <a:stretch>
+            <a:fillRect/>
+          </a:stretch>
+        </p:blipFill>
+        <p:spPr>
+          <a:xfrm>
+            <a:off x="7933229" y="1482310"/>
+            <a:ext cx="4258771" cy="3155031"/>
+          </a:xfrm>
+          <a:prstGeom prst="rect">
+            <a:avLst/>
+          </a:prstGeom>
+        </p:spPr>
+      </p:pic>
+      <p:sp>
+        <p:nvSpPr>
+          <p:cNvPr id="10" name="TextBox 9">
+            <a:extLst>
+              <a:ext uri="{FF2B5EF4-FFF2-40B4-BE49-F238E27FC236}">
+                <a16:creationId xmlns:a16="http://schemas.microsoft.com/office/drawing/2014/main" id="{E5E5FAB2-D670-04C5-68DC-5576E8F6F43C}"/>
               </a:ext>
             </a:extLst>
           </p:cNvPr>
@@ -4143,8 +4802,8 @@
         </p:nvSpPr>
         <p:spPr>
           <a:xfrm>
-            <a:off x="1486161" y="6308209"/>
-            <a:ext cx="3214598" cy="369332"/>
+            <a:off x="2898273" y="2300748"/>
+            <a:ext cx="851515" cy="369332"/>
           </a:xfrm>
           <a:prstGeom prst="rect">
             <a:avLst/>
@@ -4159,15 +4818,172 @@
           <a:p>
             <a:r>
               <a:rPr lang="en-GB" b="1" dirty="0"/>
-              <a:t>Measured pulse energy:  </a:t>
-            </a:r>
+              <a:t>0.7 bar</a:t>
+            </a:r>
+          </a:p>
+        </p:txBody>
+      </p:sp>
+      <p:sp>
+        <p:nvSpPr>
+          <p:cNvPr id="11" name="TextBox 10">
+            <a:extLst>
+              <a:ext uri="{FF2B5EF4-FFF2-40B4-BE49-F238E27FC236}">
+                <a16:creationId xmlns:a16="http://schemas.microsoft.com/office/drawing/2014/main" id="{0FB20C2B-E512-15E5-B70D-01DFC985F027}"/>
+              </a:ext>
+            </a:extLst>
+          </p:cNvPr>
+          <p:cNvSpPr txBox="1"/>
+          <p:nvPr/>
+        </p:nvSpPr>
+        <p:spPr>
+          <a:xfrm>
+            <a:off x="6851360" y="2489491"/>
+            <a:ext cx="851515" cy="369332"/>
+          </a:xfrm>
+          <a:prstGeom prst="rect">
+            <a:avLst/>
+          </a:prstGeom>
+          <a:noFill/>
+        </p:spPr>
+        <p:txBody>
+          <a:bodyPr wrap="none" rtlCol="0">
+            <a:spAutoFit/>
+          </a:bodyPr>
+          <a:lstStyle/>
+          <a:p>
+            <a:r>
+              <a:rPr lang="en-GB" b="1" dirty="0"/>
+              <a:t>0.8 bar</a:t>
+            </a:r>
+          </a:p>
+        </p:txBody>
+      </p:sp>
+      <p:sp>
+        <p:nvSpPr>
+          <p:cNvPr id="12" name="TextBox 11">
+            <a:extLst>
+              <a:ext uri="{FF2B5EF4-FFF2-40B4-BE49-F238E27FC236}">
+                <a16:creationId xmlns:a16="http://schemas.microsoft.com/office/drawing/2014/main" id="{131C9DA0-F33C-38B4-FAFE-89A25F9952DC}"/>
+              </a:ext>
+            </a:extLst>
+          </p:cNvPr>
+          <p:cNvSpPr txBox="1"/>
+          <p:nvPr/>
+        </p:nvSpPr>
+        <p:spPr>
+          <a:xfrm>
+            <a:off x="10744101" y="2485414"/>
+            <a:ext cx="851515" cy="369332"/>
+          </a:xfrm>
+          <a:prstGeom prst="rect">
+            <a:avLst/>
+          </a:prstGeom>
+          <a:noFill/>
+        </p:spPr>
+        <p:txBody>
+          <a:bodyPr wrap="none" rtlCol="0">
+            <a:spAutoFit/>
+          </a:bodyPr>
+          <a:lstStyle/>
+          <a:p>
+            <a:r>
+              <a:rPr lang="en-GB" b="1" dirty="0"/>
+              <a:t>1.0 bar</a:t>
+            </a:r>
+          </a:p>
+        </p:txBody>
+      </p:sp>
+      <p:sp>
+        <p:nvSpPr>
+          <p:cNvPr id="13" name="TextBox 12">
+            <a:extLst>
+              <a:ext uri="{FF2B5EF4-FFF2-40B4-BE49-F238E27FC236}">
+                <a16:creationId xmlns:a16="http://schemas.microsoft.com/office/drawing/2014/main" id="{27CDCF6D-63A8-E662-3C14-8044944EC3AE}"/>
+              </a:ext>
+            </a:extLst>
+          </p:cNvPr>
+          <p:cNvSpPr txBox="1"/>
+          <p:nvPr/>
+        </p:nvSpPr>
+        <p:spPr>
+          <a:xfrm>
+            <a:off x="992025" y="4831902"/>
+            <a:ext cx="10603591" cy="769441"/>
+          </a:xfrm>
+          <a:prstGeom prst="rect">
+            <a:avLst/>
+          </a:prstGeom>
+          <a:noFill/>
+        </p:spPr>
+        <p:txBody>
+          <a:bodyPr wrap="square" rtlCol="0">
+            <a:spAutoFit/>
+          </a:bodyPr>
+          <a:lstStyle/>
+          <a:p>
+            <a:r>
+              <a:rPr lang="en-GB" sz="2600" b="1" dirty="0">
+                <a:solidFill>
+                  <a:srgbClr val="002060"/>
+                </a:solidFill>
+              </a:rPr>
+              <a:t>Additional spectral peaks not observed in simulations</a:t>
+            </a:r>
+          </a:p>
+          <a:p>
+            <a:endParaRPr lang="en-GB" dirty="0">
+              <a:solidFill>
+                <a:srgbClr val="002060"/>
+              </a:solidFill>
+            </a:endParaRPr>
+          </a:p>
+        </p:txBody>
+      </p:sp>
+      <p:sp>
+        <p:nvSpPr>
+          <p:cNvPr id="3" name="TextBox 2">
+            <a:extLst>
+              <a:ext uri="{FF2B5EF4-FFF2-40B4-BE49-F238E27FC236}">
+                <a16:creationId xmlns:a16="http://schemas.microsoft.com/office/drawing/2014/main" id="{B15B7EC0-4719-5D5B-51DD-10ECCBD7F08E}"/>
+              </a:ext>
+            </a:extLst>
+          </p:cNvPr>
+          <p:cNvSpPr txBox="1"/>
+          <p:nvPr/>
+        </p:nvSpPr>
+        <p:spPr>
+          <a:xfrm>
+            <a:off x="8485239" y="589935"/>
+            <a:ext cx="1968296" cy="646331"/>
+          </a:xfrm>
+          <a:prstGeom prst="rect">
+            <a:avLst/>
+          </a:prstGeom>
+          <a:noFill/>
+        </p:spPr>
+        <p:txBody>
+          <a:bodyPr wrap="none" rtlCol="0">
+            <a:spAutoFit/>
+          </a:bodyPr>
+          <a:lstStyle/>
+          <a:p>
             <a:r>
               <a:rPr lang="en-GB" b="1" dirty="0">
                 <a:solidFill>
-                  <a:srgbClr val="0070C0"/>
+                  <a:srgbClr val="FF0000"/>
                 </a:solidFill>
               </a:rPr>
-              <a:t>110nJ</a:t>
+              <a:t>Measured UV data</a:t>
+            </a:r>
+          </a:p>
+          <a:p>
+            <a:r>
+              <a:rPr lang="en-GB" b="1" dirty="0">
+                <a:solidFill>
+                  <a:srgbClr val="7030A0"/>
+                </a:solidFill>
+              </a:rPr>
+              <a:t>Simulated UV data</a:t>
             </a:r>
           </a:p>
         </p:txBody>
@@ -4175,7 +4991,7 @@
     </p:spTree>
     <p:extLst>
       <p:ext uri="{BB962C8B-B14F-4D97-AF65-F5344CB8AC3E}">
-        <p14:creationId xmlns:p14="http://schemas.microsoft.com/office/powerpoint/2010/main" val="2341579963"/>
+        <p14:creationId xmlns:p14="http://schemas.microsoft.com/office/powerpoint/2010/main" val="443491943"/>
       </p:ext>
     </p:extLst>
   </p:cSld>
@@ -4207,7 +5023,7 @@
           <p:cNvPr id="2" name="Title 1">
             <a:extLst>
               <a:ext uri="{FF2B5EF4-FFF2-40B4-BE49-F238E27FC236}">
-                <a16:creationId xmlns:a16="http://schemas.microsoft.com/office/drawing/2014/main" id="{C795546E-6D66-EBE5-A119-E3CB5985B9F2}"/>
+                <a16:creationId xmlns:a16="http://schemas.microsoft.com/office/drawing/2014/main" id="{A09D9951-4CBF-65A9-7DE1-A81F2DCCA6B9}"/>
               </a:ext>
             </a:extLst>
           </p:cNvPr>
@@ -4225,7 +5041,7 @@
           <a:p>
             <a:r>
               <a:rPr lang="en-GB" b="1" u="sng" dirty="0"/>
-              <a:t>Next steps</a:t>
+              <a:t>Conclusions</a:t>
             </a:r>
           </a:p>
         </p:txBody>
@@ -4235,7 +5051,7 @@
           <p:cNvPr id="3" name="Content Placeholder 2">
             <a:extLst>
               <a:ext uri="{FF2B5EF4-FFF2-40B4-BE49-F238E27FC236}">
-                <a16:creationId xmlns:a16="http://schemas.microsoft.com/office/drawing/2014/main" id="{0BB77341-9383-738B-EBE7-096D8DA74943}"/>
+                <a16:creationId xmlns:a16="http://schemas.microsoft.com/office/drawing/2014/main" id="{745546A8-5459-C90C-A9EF-1194302A0823}"/>
               </a:ext>
             </a:extLst>
           </p:cNvPr>
@@ -4246,12 +5062,7 @@
             <p:ph idx="1"/>
           </p:nvPr>
         </p:nvSpPr>
-        <p:spPr>
-          <a:xfrm>
-            <a:off x="838200" y="1445342"/>
-            <a:ext cx="10515600" cy="5152103"/>
-          </a:xfrm>
-        </p:spPr>
+        <p:spPr/>
         <p:txBody>
           <a:bodyPr>
             <a:normAutofit lnSpcReduction="10000"/>
@@ -4260,66 +5071,84 @@
           <a:p>
             <a:r>
               <a:rPr lang="en-GB" dirty="0"/>
-              <a:t>Get COMSOL simulation data for gas density</a:t>
-            </a:r>
-          </a:p>
-          <a:p>
-            <a:pPr lvl="1"/>
+              <a:t>For some pressures (~0.4bar) there is fairly good agreement between the measurements and the simulations </a:t>
+            </a:r>
+          </a:p>
+          <a:p>
+            <a:pPr marL="0" indent="0">
+              <a:buNone/>
+            </a:pPr>
+            <a:endParaRPr lang="en-GB" dirty="0"/>
+          </a:p>
+          <a:p>
             <a:r>
               <a:rPr lang="en-GB" dirty="0"/>
-              <a:t>Potentially do more/improved simulations </a:t>
-            </a:r>
+              <a:t>At high and low pressures, simulations and data diverge</a:t>
+            </a:r>
+          </a:p>
+          <a:p>
+            <a:pPr marL="0" indent="0">
+              <a:buNone/>
+            </a:pPr>
+            <a:endParaRPr lang="en-GB" dirty="0"/>
           </a:p>
           <a:p>
             <a:r>
               <a:rPr lang="en-GB" dirty="0"/>
-              <a:t>Set up non-Gaussian spatial profile (?)</a:t>
-            </a:r>
-          </a:p>
-          <a:p>
+              <a:t>Possible reason: </a:t>
+            </a:r>
+            <a:r>
+              <a:rPr lang="en-GB" b="1" dirty="0">
+                <a:solidFill>
+                  <a:srgbClr val="002060"/>
+                </a:solidFill>
+              </a:rPr>
+              <a:t>breakdown of pressure gradient model</a:t>
+            </a:r>
+            <a:endParaRPr lang="en-GB" dirty="0">
+              <a:solidFill>
+                <a:srgbClr val="002060"/>
+              </a:solidFill>
+            </a:endParaRPr>
+          </a:p>
+          <a:p>
+            <a:pPr lvl="1">
+              <a:buFont typeface="Wingdings" panose="05000000000000000000" pitchFamily="2" charset="2"/>
+              <a:buChar char="Ø"/>
+            </a:pPr>
             <a:r>
               <a:rPr lang="en-GB" dirty="0"/>
-              <a:t>Measure CEO phase </a:t>
-            </a:r>
+              <a:t> </a:t>
+            </a:r>
+            <a:r>
+              <a:rPr lang="en-GB" i="1" dirty="0"/>
+              <a:t>Try using COMSOL simulations of gas density instead?! </a:t>
+            </a:r>
+          </a:p>
+          <a:p>
+            <a:pPr marL="457200" lvl="1" indent="0">
+              <a:buNone/>
+            </a:pPr>
+            <a:endParaRPr lang="en-GB" dirty="0"/>
           </a:p>
           <a:p>
             <a:r>
               <a:rPr lang="en-GB" dirty="0"/>
-              <a:t>Get more data:</a:t>
-            </a:r>
-          </a:p>
-          <a:p>
-            <a:pPr lvl="1"/>
+              <a:t>Alternative reason: nonlinear model incomplete </a:t>
+            </a:r>
+          </a:p>
+          <a:p>
+            <a:pPr lvl="1">
+              <a:buFont typeface="Wingdings" panose="05000000000000000000" pitchFamily="2" charset="2"/>
+              <a:buChar char="Ø"/>
+            </a:pPr>
             <a:r>
               <a:rPr lang="en-GB" dirty="0"/>
-              <a:t>Input pulses at different beam energies (75mW, 150mW, 300mW)</a:t>
-            </a:r>
-          </a:p>
-          <a:p>
-            <a:pPr lvl="1"/>
-            <a:r>
-              <a:rPr lang="en-GB" dirty="0"/>
-              <a:t>UV spectra at different beam energies and gas pressures (already on </a:t>
-            </a:r>
-            <a:r>
-              <a:rPr lang="en-GB" dirty="0" err="1"/>
-              <a:t>Sync&amp;Share</a:t>
-            </a:r>
-            <a:r>
-              <a:rPr lang="en-GB" dirty="0"/>
-              <a:t>?)</a:t>
-            </a:r>
-          </a:p>
-          <a:p>
-            <a:endParaRPr lang="en-GB" dirty="0"/>
-          </a:p>
-          <a:p>
-            <a:pPr marL="0" indent="0">
-              <a:buNone/>
-            </a:pPr>
-            <a:r>
-              <a:rPr lang="en-GB" dirty="0"/>
-              <a:t>Vary pressures and beam energies to try to reproduce pressure scans and find evidence of filamentation (change in beam shape, second spectral peak, saturation)</a:t>
+              <a:t> </a:t>
+            </a:r>
+            <a:r>
+              <a:rPr lang="en-GB" i="1" dirty="0"/>
+              <a:t>???</a:t>
             </a:r>
           </a:p>
         </p:txBody>
@@ -4327,7 +5156,7 @@
     </p:spTree>
     <p:extLst>
       <p:ext uri="{BB962C8B-B14F-4D97-AF65-F5344CB8AC3E}">
-        <p14:creationId xmlns:p14="http://schemas.microsoft.com/office/powerpoint/2010/main" val="4285195583"/>
+        <p14:creationId xmlns:p14="http://schemas.microsoft.com/office/powerpoint/2010/main" val="1215773882"/>
       </p:ext>
     </p:extLst>
   </p:cSld>
@@ -4359,7 +5188,7 @@
           <p:cNvPr id="2" name="Title 1">
             <a:extLst>
               <a:ext uri="{FF2B5EF4-FFF2-40B4-BE49-F238E27FC236}">
-                <a16:creationId xmlns:a16="http://schemas.microsoft.com/office/drawing/2014/main" id="{28B3E027-C35C-A536-1B96-D468FFF0DD98}"/>
+                <a16:creationId xmlns:a16="http://schemas.microsoft.com/office/drawing/2014/main" id="{C795546E-6D66-EBE5-A119-E3CB5985B9F2}"/>
               </a:ext>
             </a:extLst>
           </p:cNvPr>
@@ -4377,7 +5206,7 @@
           <a:p>
             <a:r>
               <a:rPr lang="en-GB" b="1" u="sng" dirty="0"/>
-              <a:t>Next steps</a:t>
+              <a:t>Next steps? </a:t>
             </a:r>
           </a:p>
         </p:txBody>
@@ -4387,7 +5216,7 @@
           <p:cNvPr id="3" name="Content Placeholder 2">
             <a:extLst>
               <a:ext uri="{FF2B5EF4-FFF2-40B4-BE49-F238E27FC236}">
-                <a16:creationId xmlns:a16="http://schemas.microsoft.com/office/drawing/2014/main" id="{A66C95C4-3539-88F9-DFB2-8A6134D1E7D0}"/>
+                <a16:creationId xmlns:a16="http://schemas.microsoft.com/office/drawing/2014/main" id="{0BB77341-9383-738B-EBE7-096D8DA74943}"/>
               </a:ext>
             </a:extLst>
           </p:cNvPr>
@@ -4400,316 +5229,154 @@
         </p:nvSpPr>
         <p:spPr>
           <a:xfrm>
-            <a:off x="838200" y="1501160"/>
-            <a:ext cx="4894006" cy="4351338"/>
-          </a:xfrm>
-        </p:spPr>
-        <p:txBody>
-          <a:bodyPr/>
-          <a:lstStyle/>
-          <a:p>
-            <a:pPr marL="0" indent="0">
-              <a:buNone/>
-            </a:pPr>
-            <a:r>
-              <a:rPr lang="en-GB" dirty="0"/>
-              <a:t>Carried out a test run at 1.6bar:</a:t>
-            </a:r>
-          </a:p>
-          <a:p>
-            <a:r>
-              <a:rPr lang="en-GB" b="1" dirty="0">
+            <a:off x="838200" y="1445342"/>
+            <a:ext cx="10515600" cy="5152103"/>
+          </a:xfrm>
+        </p:spPr>
+        <p:txBody>
+          <a:bodyPr>
+            <a:normAutofit/>
+          </a:bodyPr>
+          <a:lstStyle/>
+          <a:p>
+            <a:r>
+              <a:rPr lang="en-GB" dirty="0">
                 <a:solidFill>
-                  <a:srgbClr val="FF0000"/>
+                  <a:schemeClr val="tx1">
+                    <a:lumMod val="65000"/>
+                    <a:lumOff val="35000"/>
+                  </a:schemeClr>
                 </a:solidFill>
               </a:rPr>
-              <a:t>No evidence of filamentation!</a:t>
-            </a:r>
-          </a:p>
-          <a:p>
-            <a:pPr lvl="1"/>
-            <a:r>
-              <a:rPr lang="en-GB" dirty="0"/>
-              <a:t>Density model breaks down at high central pressure?</a:t>
-            </a:r>
-          </a:p>
-          <a:p>
-            <a:pPr lvl="1"/>
-            <a:r>
-              <a:rPr lang="en-GB" dirty="0"/>
-              <a:t>Missing nonlinear effect?</a:t>
-            </a:r>
-          </a:p>
-        </p:txBody>
-      </p:sp>
-      <p:pic>
-        <p:nvPicPr>
-          <p:cNvPr id="5" name="Picture 4" descr="A screenshot of a graph&#10;&#10;Description automatically generated">
-            <a:extLst>
-              <a:ext uri="{FF2B5EF4-FFF2-40B4-BE49-F238E27FC236}">
-                <a16:creationId xmlns:a16="http://schemas.microsoft.com/office/drawing/2014/main" id="{D95C4DA0-9B75-B756-5939-5062DEC48712}"/>
-              </a:ext>
-            </a:extLst>
-          </p:cNvPr>
-          <p:cNvPicPr>
-            <a:picLocks noChangeAspect="1"/>
-          </p:cNvPicPr>
-          <p:nvPr/>
-        </p:nvPicPr>
-        <p:blipFill>
-          <a:blip r:embed="rId2">
-            <a:extLst>
-              <a:ext uri="{28A0092B-C50C-407E-A947-70E740481C1C}">
-                <a14:useLocalDpi xmlns:a14="http://schemas.microsoft.com/office/drawing/2010/main" val="0"/>
-              </a:ext>
-            </a:extLst>
-          </a:blip>
-          <a:stretch>
-            <a:fillRect/>
-          </a:stretch>
-        </p:blipFill>
-        <p:spPr>
-          <a:xfrm>
-            <a:off x="3000945" y="3504909"/>
-            <a:ext cx="4359018" cy="3353091"/>
-          </a:xfrm>
-          <a:prstGeom prst="rect">
-            <a:avLst/>
-          </a:prstGeom>
-        </p:spPr>
-      </p:pic>
-      <p:pic>
-        <p:nvPicPr>
-          <p:cNvPr id="7" name="Picture 6" descr="A graph with red lines&#10;&#10;Description automatically generated">
-            <a:extLst>
-              <a:ext uri="{FF2B5EF4-FFF2-40B4-BE49-F238E27FC236}">
-                <a16:creationId xmlns:a16="http://schemas.microsoft.com/office/drawing/2014/main" id="{9102742E-92A9-42C2-91F9-606D9DAB2743}"/>
-              </a:ext>
-            </a:extLst>
-          </p:cNvPr>
-          <p:cNvPicPr>
-            <a:picLocks noChangeAspect="1"/>
-          </p:cNvPicPr>
-          <p:nvPr/>
-        </p:nvPicPr>
-        <p:blipFill>
-          <a:blip r:embed="rId3">
-            <a:extLst>
-              <a:ext uri="{28A0092B-C50C-407E-A947-70E740481C1C}">
-                <a14:useLocalDpi xmlns:a14="http://schemas.microsoft.com/office/drawing/2010/main" val="0"/>
-              </a:ext>
-            </a:extLst>
-          </a:blip>
-          <a:stretch>
-            <a:fillRect/>
-          </a:stretch>
-        </p:blipFill>
-        <p:spPr>
-          <a:xfrm>
-            <a:off x="7549751" y="3676829"/>
-            <a:ext cx="4237087" cy="3276884"/>
-          </a:xfrm>
-          <a:prstGeom prst="rect">
-            <a:avLst/>
-          </a:prstGeom>
-        </p:spPr>
-      </p:pic>
-      <p:pic>
-        <p:nvPicPr>
-          <p:cNvPr id="9" name="Picture 8" descr="A graph of energy and uv energy&#10;&#10;Description automatically generated">
-            <a:extLst>
-              <a:ext uri="{FF2B5EF4-FFF2-40B4-BE49-F238E27FC236}">
-                <a16:creationId xmlns:a16="http://schemas.microsoft.com/office/drawing/2014/main" id="{25B9FDD8-D3D5-FCA1-8B54-9068D453C3A2}"/>
-              </a:ext>
-            </a:extLst>
-          </p:cNvPr>
-          <p:cNvPicPr>
-            <a:picLocks noChangeAspect="1"/>
-          </p:cNvPicPr>
-          <p:nvPr/>
-        </p:nvPicPr>
-        <p:blipFill>
-          <a:blip r:embed="rId4">
-            <a:extLst>
-              <a:ext uri="{28A0092B-C50C-407E-A947-70E740481C1C}">
-                <a14:useLocalDpi xmlns:a14="http://schemas.microsoft.com/office/drawing/2010/main" val="0"/>
-              </a:ext>
-            </a:extLst>
-          </a:blip>
-          <a:stretch>
-            <a:fillRect/>
-          </a:stretch>
-        </p:blipFill>
-        <p:spPr>
-          <a:xfrm>
-            <a:off x="7170175" y="70971"/>
-            <a:ext cx="4996240" cy="3756089"/>
-          </a:xfrm>
-          <a:prstGeom prst="rect">
-            <a:avLst/>
-          </a:prstGeom>
-        </p:spPr>
-      </p:pic>
-      <p:sp>
-        <p:nvSpPr>
-          <p:cNvPr id="10" name="Rectangle 9">
-            <a:extLst>
-              <a:ext uri="{FF2B5EF4-FFF2-40B4-BE49-F238E27FC236}">
-                <a16:creationId xmlns:a16="http://schemas.microsoft.com/office/drawing/2014/main" id="{B2539029-ACC0-3CEB-48D1-FF48E4E85860}"/>
-              </a:ext>
-            </a:extLst>
-          </p:cNvPr>
-          <p:cNvSpPr/>
-          <p:nvPr/>
-        </p:nvSpPr>
-        <p:spPr>
-          <a:xfrm>
-            <a:off x="10047145" y="6243484"/>
-            <a:ext cx="1525423" cy="353961"/>
-          </a:xfrm>
-          <a:prstGeom prst="rect">
-            <a:avLst/>
-          </a:prstGeom>
-          <a:noFill/>
-          <a:ln w="57150">
-            <a:solidFill>
-              <a:srgbClr val="7030A0"/>
-            </a:solidFill>
-          </a:ln>
-        </p:spPr>
-        <p:style>
-          <a:lnRef idx="2">
-            <a:schemeClr val="accent1">
-              <a:shade val="15000"/>
-            </a:schemeClr>
-          </a:lnRef>
-          <a:fillRef idx="1">
-            <a:schemeClr val="accent1"/>
-          </a:fillRef>
-          <a:effectRef idx="0">
-            <a:schemeClr val="accent1"/>
-          </a:effectRef>
-          <a:fontRef idx="minor">
-            <a:schemeClr val="lt1"/>
-          </a:fontRef>
-        </p:style>
-        <p:txBody>
-          <a:bodyPr rtlCol="0" anchor="ctr"/>
-          <a:lstStyle/>
-          <a:p>
-            <a:pPr algn="ctr"/>
-            <a:endParaRPr lang="en-GB"/>
-          </a:p>
-        </p:txBody>
-      </p:sp>
-      <p:sp>
-        <p:nvSpPr>
-          <p:cNvPr id="11" name="Rectangle 10">
-            <a:extLst>
-              <a:ext uri="{FF2B5EF4-FFF2-40B4-BE49-F238E27FC236}">
-                <a16:creationId xmlns:a16="http://schemas.microsoft.com/office/drawing/2014/main" id="{9C3BC76C-E4A8-2CAF-B10D-68CCB7B05FA3}"/>
-              </a:ext>
-            </a:extLst>
-          </p:cNvPr>
-          <p:cNvSpPr/>
-          <p:nvPr/>
-        </p:nvSpPr>
-        <p:spPr>
-          <a:xfrm>
-            <a:off x="5538343" y="6243483"/>
-            <a:ext cx="1525423" cy="353961"/>
-          </a:xfrm>
-          <a:prstGeom prst="rect">
-            <a:avLst/>
-          </a:prstGeom>
-          <a:noFill/>
-          <a:ln w="57150">
-            <a:solidFill>
-              <a:srgbClr val="FF0000"/>
-            </a:solidFill>
-          </a:ln>
-        </p:spPr>
-        <p:style>
-          <a:lnRef idx="2">
-            <a:schemeClr val="accent1">
-              <a:shade val="15000"/>
-            </a:schemeClr>
-          </a:lnRef>
-          <a:fillRef idx="1">
-            <a:schemeClr val="accent1"/>
-          </a:fillRef>
-          <a:effectRef idx="0">
-            <a:schemeClr val="accent1"/>
-          </a:effectRef>
-          <a:fontRef idx="minor">
-            <a:schemeClr val="lt1"/>
-          </a:fontRef>
-        </p:style>
-        <p:txBody>
-          <a:bodyPr rtlCol="0" anchor="ctr"/>
-          <a:lstStyle/>
-          <a:p>
-            <a:pPr algn="ctr"/>
-            <a:endParaRPr lang="en-GB"/>
-          </a:p>
-        </p:txBody>
-      </p:sp>
-      <p:sp>
-        <p:nvSpPr>
-          <p:cNvPr id="12" name="Rectangle 11">
-            <a:extLst>
-              <a:ext uri="{FF2B5EF4-FFF2-40B4-BE49-F238E27FC236}">
-                <a16:creationId xmlns:a16="http://schemas.microsoft.com/office/drawing/2014/main" id="{89261091-BE9C-732D-6043-CF03871FA680}"/>
-              </a:ext>
-            </a:extLst>
-          </p:cNvPr>
-          <p:cNvSpPr/>
-          <p:nvPr/>
-        </p:nvSpPr>
-        <p:spPr>
-          <a:xfrm>
-            <a:off x="7549751" y="2172929"/>
-            <a:ext cx="1525423" cy="353961"/>
-          </a:xfrm>
-          <a:prstGeom prst="rect">
-            <a:avLst/>
-          </a:prstGeom>
-          <a:noFill/>
-          <a:ln w="57150">
-            <a:solidFill>
-              <a:srgbClr val="7030A0"/>
-            </a:solidFill>
-          </a:ln>
-        </p:spPr>
-        <p:style>
-          <a:lnRef idx="2">
-            <a:schemeClr val="accent1">
-              <a:shade val="15000"/>
-            </a:schemeClr>
-          </a:lnRef>
-          <a:fillRef idx="1">
-            <a:schemeClr val="accent1"/>
-          </a:fillRef>
-          <a:effectRef idx="0">
-            <a:schemeClr val="accent1"/>
-          </a:effectRef>
-          <a:fontRef idx="minor">
-            <a:schemeClr val="lt1"/>
-          </a:fontRef>
-        </p:style>
-        <p:txBody>
-          <a:bodyPr rtlCol="0" anchor="ctr"/>
-          <a:lstStyle/>
-          <a:p>
-            <a:pPr algn="ctr"/>
-            <a:endParaRPr lang="en-GB"/>
+              <a:t>Get COMSOL simulation data for gas density?</a:t>
+            </a:r>
+          </a:p>
+          <a:p>
+            <a:endParaRPr lang="en-GB" dirty="0">
+              <a:solidFill>
+                <a:schemeClr val="tx1">
+                  <a:lumMod val="65000"/>
+                  <a:lumOff val="35000"/>
+                </a:schemeClr>
+              </a:solidFill>
+            </a:endParaRPr>
+          </a:p>
+          <a:p>
+            <a:r>
+              <a:rPr lang="en-GB" dirty="0">
+                <a:solidFill>
+                  <a:schemeClr val="tx1">
+                    <a:lumMod val="65000"/>
+                    <a:lumOff val="35000"/>
+                  </a:schemeClr>
+                </a:solidFill>
+              </a:rPr>
+              <a:t>Set up non-Gaussian spatial profile?</a:t>
+            </a:r>
+          </a:p>
+          <a:p>
+            <a:endParaRPr lang="en-GB" dirty="0">
+              <a:solidFill>
+                <a:schemeClr val="tx1">
+                  <a:lumMod val="65000"/>
+                  <a:lumOff val="35000"/>
+                </a:schemeClr>
+              </a:solidFill>
+            </a:endParaRPr>
+          </a:p>
+          <a:p>
+            <a:r>
+              <a:rPr lang="en-GB" dirty="0">
+                <a:solidFill>
+                  <a:schemeClr val="tx1">
+                    <a:lumMod val="65000"/>
+                    <a:lumOff val="35000"/>
+                  </a:schemeClr>
+                </a:solidFill>
+              </a:rPr>
+              <a:t>Measure CEO phase? </a:t>
+            </a:r>
+          </a:p>
+          <a:p>
+            <a:endParaRPr lang="en-GB" dirty="0">
+              <a:solidFill>
+                <a:schemeClr val="tx1">
+                  <a:lumMod val="65000"/>
+                  <a:lumOff val="35000"/>
+                </a:schemeClr>
+              </a:solidFill>
+            </a:endParaRPr>
+          </a:p>
+          <a:p>
+            <a:r>
+              <a:rPr lang="en-GB" dirty="0">
+                <a:solidFill>
+                  <a:schemeClr val="tx1">
+                    <a:lumMod val="65000"/>
+                    <a:lumOff val="35000"/>
+                  </a:schemeClr>
+                </a:solidFill>
+              </a:rPr>
+              <a:t>Get more data?</a:t>
+            </a:r>
+          </a:p>
+          <a:p>
+            <a:pPr lvl="1">
+              <a:buFont typeface="Wingdings" panose="05000000000000000000" pitchFamily="2" charset="2"/>
+              <a:buChar char="Ø"/>
+            </a:pPr>
+            <a:r>
+              <a:rPr lang="en-GB" dirty="0">
+                <a:solidFill>
+                  <a:schemeClr val="tx1">
+                    <a:lumMod val="65000"/>
+                    <a:lumOff val="35000"/>
+                  </a:schemeClr>
+                </a:solidFill>
+              </a:rPr>
+              <a:t>Input pulses at different beam energies (75mW, 150mW, 300mW,…)</a:t>
+            </a:r>
+          </a:p>
+          <a:p>
+            <a:pPr lvl="1">
+              <a:buFont typeface="Wingdings" panose="05000000000000000000" pitchFamily="2" charset="2"/>
+              <a:buChar char="Ø"/>
+            </a:pPr>
+            <a:r>
+              <a:rPr lang="en-GB" dirty="0">
+                <a:solidFill>
+                  <a:schemeClr val="tx1">
+                    <a:lumMod val="65000"/>
+                    <a:lumOff val="35000"/>
+                  </a:schemeClr>
+                </a:solidFill>
+              </a:rPr>
+              <a:t>UV spectra at more beam energies and gas pressures</a:t>
+            </a:r>
+          </a:p>
+          <a:p>
+            <a:pPr lvl="1">
+              <a:buFont typeface="Wingdings" panose="05000000000000000000" pitchFamily="2" charset="2"/>
+              <a:buChar char="Ø"/>
+            </a:pPr>
+            <a:r>
+              <a:rPr lang="en-GB" dirty="0">
+                <a:solidFill>
+                  <a:schemeClr val="tx1">
+                    <a:lumMod val="65000"/>
+                    <a:lumOff val="35000"/>
+                  </a:schemeClr>
+                </a:solidFill>
+              </a:rPr>
+              <a:t>UV data for Neon</a:t>
+            </a:r>
           </a:p>
         </p:txBody>
       </p:sp>
     </p:spTree>
     <p:extLst>
       <p:ext uri="{BB962C8B-B14F-4D97-AF65-F5344CB8AC3E}">
-        <p14:creationId xmlns:p14="http://schemas.microsoft.com/office/powerpoint/2010/main" val="2578989307"/>
+        <p14:creationId xmlns:p14="http://schemas.microsoft.com/office/powerpoint/2010/main" val="4285195583"/>
       </p:ext>
     </p:extLst>
   </p:cSld>
@@ -4759,7 +5426,7 @@
           <a:p>
             <a:r>
               <a:rPr lang="en-GB" b="1" u="sng" dirty="0"/>
-              <a:t>Week 1: cleaned up existing code </a:t>
+              <a:t>First steps</a:t>
             </a:r>
           </a:p>
         </p:txBody>
@@ -4788,29 +5455,30 @@
         </p:spPr>
         <p:txBody>
           <a:bodyPr>
-            <a:normAutofit/>
+            <a:normAutofit lnSpcReduction="10000"/>
           </a:bodyPr>
           <a:lstStyle/>
           <a:p>
             <a:r>
               <a:rPr lang="en-GB" dirty="0"/>
-              <a:t>Created (private) project GitHub at </a:t>
-            </a:r>
-          </a:p>
-          <a:p>
-            <a:pPr marL="457200" lvl="1" indent="0">
-              <a:buNone/>
-            </a:pPr>
-            <a:r>
-              <a:rPr lang="en-GB" dirty="0">
+              <a:t>Created (private) project </a:t>
+            </a:r>
+            <a:r>
+              <a:rPr lang="en-GB" sz="2800" dirty="0">
                 <a:hlinkClick r:id="rId2"/>
               </a:rPr>
-              <a:t>https://github.com/2538354a/Simulating-THG-of-few-femtosecond-pulses-in-a-noble-gas-</a:t>
-            </a:r>
-            <a:r>
-              <a:rPr lang="en-GB" dirty="0"/>
+              <a:t>GitHub</a:t>
+            </a:r>
+            <a:r>
+              <a:rPr lang="en-GB" sz="2800" dirty="0"/>
               <a:t> </a:t>
             </a:r>
+          </a:p>
+          <a:p>
+            <a:pPr marL="0" indent="0">
+              <a:buNone/>
+            </a:pPr>
+            <a:endParaRPr lang="en-GB" dirty="0"/>
           </a:p>
           <a:p>
             <a:r>
@@ -4819,32 +5487,36 @@
             </a:r>
           </a:p>
           <a:p>
+            <a:pPr marL="0" indent="0">
+              <a:buNone/>
+            </a:pPr>
+            <a:endParaRPr lang="en-GB" dirty="0"/>
+          </a:p>
+          <a:p>
             <a:r>
               <a:rPr lang="en-GB" dirty="0"/>
               <a:t>Fixed errors in original version:</a:t>
             </a:r>
           </a:p>
           <a:p>
-            <a:pPr lvl="1"/>
+            <a:pPr lvl="1">
+              <a:buFont typeface="Wingdings" panose="05000000000000000000" pitchFamily="2" charset="2"/>
+              <a:buChar char="Ø"/>
+            </a:pPr>
             <a:r>
               <a:rPr lang="en-GB" dirty="0"/>
-              <a:t>Hankel aperture radius should be 250µm, not 1mm</a:t>
+              <a:t> Hankel aperture radius should be 250µm, not 1mm</a:t>
             </a:r>
             <a:endParaRPr lang="en-GB" b="0" dirty="0"/>
           </a:p>
           <a:p>
-            <a:pPr lvl="1"/>
+            <a:pPr lvl="1">
+              <a:buFont typeface="Wingdings" panose="05000000000000000000" pitchFamily="2" charset="2"/>
+              <a:buChar char="Ø"/>
+            </a:pPr>
             <a:r>
               <a:rPr lang="en-GB" dirty="0"/>
-              <a:t>Intensity plots in old code plot </a:t>
-            </a:r>
-            <a:r>
-              <a:rPr lang="el-GR" dirty="0"/>
-              <a:t>λ</a:t>
-            </a:r>
-            <a:r>
-              <a:rPr lang="en-GB" dirty="0"/>
-              <a:t>=133nm instead of 266nm</a:t>
+              <a:t> Intensity plots in old code plot 133nm instead of 266nm</a:t>
             </a:r>
           </a:p>
           <a:p>
@@ -4873,15 +5545,27 @@
               <a:buNone/>
             </a:pPr>
             <a:r>
-              <a:rPr lang="en-GB" i="1" dirty="0"/>
+              <a:rPr lang="en-GB" b="1" i="1" dirty="0">
+                <a:solidFill>
+                  <a:srgbClr val="002060"/>
+                </a:solidFill>
+              </a:rPr>
               <a:t>Despite of changes, old runs could be reproduced (see </a:t>
             </a:r>
             <a:r>
-              <a:rPr lang="en-GB" i="1" dirty="0" err="1"/>
+              <a:rPr lang="en-GB" b="1" i="1" dirty="0" err="1">
+                <a:solidFill>
+                  <a:srgbClr val="002060"/>
+                </a:solidFill>
+              </a:rPr>
               <a:t>Sync&amp;Share</a:t>
             </a:r>
             <a:r>
-              <a:rPr lang="en-GB" i="1" dirty="0"/>
+              <a:rPr lang="en-GB" b="1" i="1" dirty="0">
+                <a:solidFill>
+                  <a:srgbClr val="002060"/>
+                </a:solidFill>
+              </a:rPr>
               <a:t>)</a:t>
             </a:r>
           </a:p>
@@ -4917,40 +5601,12 @@
           <a:chExt cx="0" cy="0"/>
         </a:xfrm>
       </p:grpSpPr>
-      <p:sp>
-        <p:nvSpPr>
-          <p:cNvPr id="2" name="Title 1">
-            <a:extLst>
-              <a:ext uri="{FF2B5EF4-FFF2-40B4-BE49-F238E27FC236}">
-                <a16:creationId xmlns:a16="http://schemas.microsoft.com/office/drawing/2014/main" id="{06273E6F-1C46-EE8A-B319-5D5CA1B673D0}"/>
-              </a:ext>
-            </a:extLst>
-          </p:cNvPr>
-          <p:cNvSpPr>
-            <a:spLocks noGrp="1"/>
-          </p:cNvSpPr>
-          <p:nvPr>
-            <p:ph type="title"/>
-          </p:nvPr>
-        </p:nvSpPr>
-        <p:spPr/>
-        <p:txBody>
-          <a:bodyPr/>
-          <a:lstStyle/>
-          <a:p>
-            <a:r>
-              <a:rPr lang="en-GB" dirty="0"/>
-              <a:t>Error in intensity plots</a:t>
-            </a:r>
-          </a:p>
-        </p:txBody>
-      </p:sp>
       <p:pic>
         <p:nvPicPr>
-          <p:cNvPr id="27" name="Picture 26" descr="A screenshot of a graph&#10;&#10;Description automatically generated">
-            <a:extLst>
-              <a:ext uri="{FF2B5EF4-FFF2-40B4-BE49-F238E27FC236}">
-                <a16:creationId xmlns:a16="http://schemas.microsoft.com/office/drawing/2014/main" id="{BD1E89AF-00E5-1919-55E1-30EFC2AB0B81}"/>
+          <p:cNvPr id="29" name="Picture 28" descr="A screenshot of a graph&#10;&#10;Description automatically generated">
+            <a:extLst>
+              <a:ext uri="{FF2B5EF4-FFF2-40B4-BE49-F238E27FC236}">
+                <a16:creationId xmlns:a16="http://schemas.microsoft.com/office/drawing/2014/main" id="{40DD8612-8D94-6906-7E4B-CFD6CC57CF1F}"/>
               </a:ext>
             </a:extLst>
           </p:cNvPr>
@@ -4973,20 +5629,48 @@
         </p:blipFill>
         <p:spPr>
           <a:xfrm>
-            <a:off x="41631" y="1406012"/>
-            <a:ext cx="5703559" cy="4343335"/>
+            <a:off x="6446810" y="1185685"/>
+            <a:ext cx="5704781" cy="4469352"/>
           </a:xfrm>
           <a:prstGeom prst="rect">
             <a:avLst/>
           </a:prstGeom>
         </p:spPr>
       </p:pic>
+      <p:sp>
+        <p:nvSpPr>
+          <p:cNvPr id="2" name="Title 1">
+            <a:extLst>
+              <a:ext uri="{FF2B5EF4-FFF2-40B4-BE49-F238E27FC236}">
+                <a16:creationId xmlns:a16="http://schemas.microsoft.com/office/drawing/2014/main" id="{06273E6F-1C46-EE8A-B319-5D5CA1B673D0}"/>
+              </a:ext>
+            </a:extLst>
+          </p:cNvPr>
+          <p:cNvSpPr>
+            <a:spLocks noGrp="1"/>
+          </p:cNvSpPr>
+          <p:nvPr>
+            <p:ph type="title"/>
+          </p:nvPr>
+        </p:nvSpPr>
+        <p:spPr/>
+        <p:txBody>
+          <a:bodyPr/>
+          <a:lstStyle/>
+          <a:p>
+            <a:r>
+              <a:rPr lang="en-GB" u="sng" dirty="0"/>
+              <a:t>Fixed: error in intensity plots</a:t>
+            </a:r>
+          </a:p>
+        </p:txBody>
+      </p:sp>
       <p:pic>
         <p:nvPicPr>
-          <p:cNvPr id="29" name="Picture 28" descr="A screenshot of a graph&#10;&#10;Description automatically generated">
-            <a:extLst>
-              <a:ext uri="{FF2B5EF4-FFF2-40B4-BE49-F238E27FC236}">
-                <a16:creationId xmlns:a16="http://schemas.microsoft.com/office/drawing/2014/main" id="{40DD8612-8D94-6906-7E4B-CFD6CC57CF1F}"/>
+          <p:cNvPr id="27" name="Picture 26" descr="A screenshot of a graph&#10;&#10;Description automatically generated">
+            <a:extLst>
+              <a:ext uri="{FF2B5EF4-FFF2-40B4-BE49-F238E27FC236}">
+                <a16:creationId xmlns:a16="http://schemas.microsoft.com/office/drawing/2014/main" id="{BD1E89AF-00E5-1919-55E1-30EFC2AB0B81}"/>
               </a:ext>
             </a:extLst>
           </p:cNvPr>
@@ -5009,8 +5693,8 @@
         </p:blipFill>
         <p:spPr>
           <a:xfrm>
-            <a:off x="6446810" y="1097197"/>
-            <a:ext cx="5704781" cy="4469352"/>
+            <a:off x="41631" y="1406012"/>
+            <a:ext cx="5703559" cy="4343335"/>
           </a:xfrm>
           <a:prstGeom prst="rect">
             <a:avLst/>
@@ -5211,7 +5895,7 @@
           <a:p>
             <a:r>
               <a:rPr lang="en-GB" b="1" u="sng" dirty="0"/>
-              <a:t>Week 2: added new features</a:t>
+              <a:t>New features</a:t>
             </a:r>
           </a:p>
         </p:txBody>
@@ -5265,7 +5949,19 @@
             </a:pPr>
             <a:r>
               <a:rPr lang="en-GB" dirty="0"/>
-              <a:t>Option to base input pulse on measured time-intensity data </a:t>
+              <a:t>Option to base </a:t>
+            </a:r>
+            <a:r>
+              <a:rPr lang="en-GB" b="1" dirty="0">
+                <a:solidFill>
+                  <a:srgbClr val="002060"/>
+                </a:solidFill>
+              </a:rPr>
+              <a:t>input pulse</a:t>
+            </a:r>
+            <a:r>
+              <a:rPr lang="en-GB" dirty="0"/>
+              <a:t> on measured time-intensity data </a:t>
             </a:r>
           </a:p>
           <a:p>
@@ -5296,7 +5992,19 @@
             </a:pPr>
             <a:r>
               <a:rPr lang="en-GB" dirty="0"/>
-              <a:t>Option to overlay measured UV pulse for comparison </a:t>
+              <a:t>Option to overlay </a:t>
+            </a:r>
+            <a:r>
+              <a:rPr lang="en-GB" b="1" dirty="0">
+                <a:solidFill>
+                  <a:srgbClr val="002060"/>
+                </a:solidFill>
+              </a:rPr>
+              <a:t>measured UV</a:t>
+            </a:r>
+            <a:r>
+              <a:rPr lang="en-GB" dirty="0"/>
+              <a:t> pulse for comparison </a:t>
             </a:r>
           </a:p>
           <a:p>
@@ -5324,7 +6032,19 @@
             </a:pPr>
             <a:r>
               <a:rPr lang="en-GB" dirty="0"/>
-              <a:t>Option to base gas density profile on measured/simulated density data </a:t>
+              <a:t>Option to base </a:t>
+            </a:r>
+            <a:r>
+              <a:rPr lang="en-GB" b="1" dirty="0">
+                <a:solidFill>
+                  <a:srgbClr val="002060"/>
+                </a:solidFill>
+              </a:rPr>
+              <a:t>gas density profile </a:t>
+            </a:r>
+            <a:r>
+              <a:rPr lang="en-GB" dirty="0"/>
+              <a:t>on measured/simulated density data </a:t>
             </a:r>
           </a:p>
           <a:p>
@@ -5371,7 +6091,7 @@
           <p:cNvPr id="2" name="Title 1">
             <a:extLst>
               <a:ext uri="{FF2B5EF4-FFF2-40B4-BE49-F238E27FC236}">
-                <a16:creationId xmlns:a16="http://schemas.microsoft.com/office/drawing/2014/main" id="{E234BAF9-DDD9-4D20-5131-FFF4059F0FC3}"/>
+                <a16:creationId xmlns:a16="http://schemas.microsoft.com/office/drawing/2014/main" id="{9A0927A4-8FB3-7770-0E53-E9E538788B35}"/>
               </a:ext>
             </a:extLst>
           </p:cNvPr>
@@ -5389,7 +6109,7 @@
           <a:p>
             <a:r>
               <a:rPr lang="en-GB" u="sng" dirty="0"/>
-              <a:t>1. Data-based input pulses</a:t>
+              <a:t>New features: notes</a:t>
             </a:r>
           </a:p>
         </p:txBody>
@@ -5399,7 +6119,7 @@
           <p:cNvPr id="3" name="Content Placeholder 2">
             <a:extLst>
               <a:ext uri="{FF2B5EF4-FFF2-40B4-BE49-F238E27FC236}">
-                <a16:creationId xmlns:a16="http://schemas.microsoft.com/office/drawing/2014/main" id="{24A98E8E-CFBA-0A53-30F7-4AF334668579}"/>
+                <a16:creationId xmlns:a16="http://schemas.microsoft.com/office/drawing/2014/main" id="{C15FD3A0-6184-FE22-283A-6C126541A235}"/>
               </a:ext>
             </a:extLst>
           </p:cNvPr>
@@ -5417,41 +6137,49 @@
           <a:p>
             <a:r>
               <a:rPr lang="en-GB" dirty="0"/>
-              <a:t>Previous approach modelled beam as Gaussian in both space and time </a:t>
-            </a:r>
-          </a:p>
-          <a:p>
+              <a:t>So far, the input beam is still modelled as a Gaussian in space</a:t>
+            </a:r>
+          </a:p>
+          <a:p>
+            <a:pPr lvl="1">
+              <a:buFont typeface="Wingdings" panose="05000000000000000000" pitchFamily="2" charset="2"/>
+              <a:buChar char="Ø"/>
+            </a:pPr>
             <a:r>
               <a:rPr lang="en-GB" dirty="0"/>
-              <a:t>Now, a file with time-intensity data can be read in to determine the input pulse field </a:t>
-            </a:r>
-          </a:p>
-          <a:p>
-            <a:pPr lvl="1"/>
+              <a:t> </a:t>
+            </a:r>
+            <a:r>
+              <a:rPr lang="en-GB" i="1" dirty="0"/>
+              <a:t>spatial profile could easily be based on measured data, too, if necessary</a:t>
+            </a:r>
+          </a:p>
+          <a:p>
             <a:r>
               <a:rPr lang="en-GB" dirty="0"/>
-              <a:t>NOTE: requires a value for the CEO phase, has been set to zero so far </a:t>
-            </a:r>
-          </a:p>
-          <a:p>
-            <a:pPr marL="0" indent="0">
-              <a:buNone/>
+              <a:t>CEO phase of measured input beam was set to zero</a:t>
+            </a:r>
+          </a:p>
+          <a:p>
+            <a:pPr lvl="1">
+              <a:buFont typeface="Wingdings" panose="05000000000000000000" pitchFamily="2" charset="2"/>
+              <a:buChar char="Ø"/>
             </a:pPr>
-            <a:endParaRPr lang="en-GB" dirty="0"/>
-          </a:p>
-          <a:p>
-            <a:pPr marL="0" indent="0">
-              <a:buNone/>
-            </a:pPr>
-            <a:endParaRPr lang="en-GB" dirty="0"/>
-          </a:p>
-          <a:p>
-            <a:pPr marL="0" indent="0">
-              <a:buNone/>
-            </a:pPr>
             <a:r>
               <a:rPr lang="en-GB" i="1" dirty="0"/>
-              <a:t>So far, spatial component still modelled as a Gaussian but this could be easily changed if appropriate data exists</a:t>
+              <a:t> replace with measured value?</a:t>
+            </a:r>
+          </a:p>
+          <a:p>
+            <a:r>
+              <a:rPr lang="en-GB" dirty="0"/>
+              <a:t>Measured UV spectrum is rescaled when overlayed, so no quantitative spectral comparison is possible</a:t>
+            </a:r>
+          </a:p>
+          <a:p>
+            <a:r>
+              <a:rPr lang="en-GB" dirty="0"/>
+              <a:t>Due to lack of COMSOL data, there are no runs with the improved density model yet</a:t>
             </a:r>
           </a:p>
         </p:txBody>
@@ -5459,7 +6187,7 @@
     </p:spTree>
     <p:extLst>
       <p:ext uri="{BB962C8B-B14F-4D97-AF65-F5344CB8AC3E}">
-        <p14:creationId xmlns:p14="http://schemas.microsoft.com/office/powerpoint/2010/main" val="3026465886"/>
+        <p14:creationId xmlns:p14="http://schemas.microsoft.com/office/powerpoint/2010/main" val="998106302"/>
       </p:ext>
     </p:extLst>
   </p:cSld>
@@ -5491,7 +6219,7 @@
           <p:cNvPr id="2" name="Title 1">
             <a:extLst>
               <a:ext uri="{FF2B5EF4-FFF2-40B4-BE49-F238E27FC236}">
-                <a16:creationId xmlns:a16="http://schemas.microsoft.com/office/drawing/2014/main" id="{21D9BD36-3D8E-44FA-58D9-C21876606E76}"/>
+                <a16:creationId xmlns:a16="http://schemas.microsoft.com/office/drawing/2014/main" id="{95C9DE35-3407-F145-539C-4113B8C64156}"/>
               </a:ext>
             </a:extLst>
           </p:cNvPr>
@@ -5508,27 +6236,61 @@
           <a:lstStyle/>
           <a:p>
             <a:r>
-              <a:rPr lang="en-GB" u="sng" dirty="0"/>
-              <a:t>1. Data-based input pulses</a:t>
+              <a:rPr lang="en-GB" b="1" u="sng" dirty="0"/>
+              <a:t>Example run</a:t>
+            </a:r>
+          </a:p>
+        </p:txBody>
+      </p:sp>
+      <p:sp>
+        <p:nvSpPr>
+          <p:cNvPr id="3" name="Content Placeholder 2">
+            <a:extLst>
+              <a:ext uri="{FF2B5EF4-FFF2-40B4-BE49-F238E27FC236}">
+                <a16:creationId xmlns:a16="http://schemas.microsoft.com/office/drawing/2014/main" id="{2AB02A07-98C4-C94A-E654-FDC0F8881077}"/>
+              </a:ext>
+            </a:extLst>
+          </p:cNvPr>
+          <p:cNvSpPr>
+            <a:spLocks noGrp="1"/>
+          </p:cNvSpPr>
+          <p:nvPr>
+            <p:ph idx="1"/>
+          </p:nvPr>
+        </p:nvSpPr>
+        <p:spPr>
+          <a:xfrm>
+            <a:off x="838199" y="1825625"/>
+            <a:ext cx="11353801" cy="4351338"/>
+          </a:xfrm>
+        </p:spPr>
+        <p:txBody>
+          <a:bodyPr/>
+          <a:lstStyle/>
+          <a:p>
+            <a:pPr marL="0" indent="0">
+              <a:buNone/>
+            </a:pPr>
+            <a:r>
+              <a:rPr lang="en-GB" dirty="0"/>
+              <a:t>The following slides show sample output for a run with the parameter values:</a:t>
             </a:r>
           </a:p>
         </p:txBody>
       </p:sp>
       <p:pic>
         <p:nvPicPr>
-          <p:cNvPr id="5" name="Content Placeholder 4" descr="A screenshot of a computer screen&#10;&#10;Description automatically generated">
-            <a:extLst>
-              <a:ext uri="{FF2B5EF4-FFF2-40B4-BE49-F238E27FC236}">
-                <a16:creationId xmlns:a16="http://schemas.microsoft.com/office/drawing/2014/main" id="{DA742289-8BDD-2BCE-B992-741346A5151E}"/>
+          <p:cNvPr id="5" name="Picture 4" descr="A computer screen shot of a black screen&#10;&#10;Description automatically generated">
+            <a:extLst>
+              <a:ext uri="{FF2B5EF4-FFF2-40B4-BE49-F238E27FC236}">
+                <a16:creationId xmlns:a16="http://schemas.microsoft.com/office/drawing/2014/main" id="{8717F008-3A59-3757-A5FC-EA038DAA8194}"/>
               </a:ext>
             </a:extLst>
           </p:cNvPr>
           <p:cNvPicPr>
-            <a:picLocks noGrp="1" noChangeAspect="1"/>
+            <a:picLocks noChangeAspect="1"/>
           </p:cNvPicPr>
-          <p:nvPr>
-            <p:ph idx="1"/>
-          </p:nvPr>
+          <p:nvPr/>
         </p:nvPicPr>
         <p:blipFill>
           <a:blip r:embed="rId2">
@@ -5544,15 +6306,223 @@
         </p:blipFill>
         <p:spPr>
           <a:xfrm>
-            <a:off x="231413" y="1572700"/>
-            <a:ext cx="11960587" cy="4641287"/>
-          </a:xfrm>
+            <a:off x="1515140" y="2447074"/>
+            <a:ext cx="5326626" cy="4124959"/>
+          </a:xfrm>
+          <a:prstGeom prst="rect">
+            <a:avLst/>
+          </a:prstGeom>
         </p:spPr>
       </p:pic>
+      <p:sp>
+        <p:nvSpPr>
+          <p:cNvPr id="8" name="TextBox 7">
+            <a:extLst>
+              <a:ext uri="{FF2B5EF4-FFF2-40B4-BE49-F238E27FC236}">
+                <a16:creationId xmlns:a16="http://schemas.microsoft.com/office/drawing/2014/main" id="{0F51339F-8E07-76F6-F9E6-4FE6E121D7A4}"/>
+              </a:ext>
+            </a:extLst>
+          </p:cNvPr>
+          <p:cNvSpPr txBox="1"/>
+          <p:nvPr/>
+        </p:nvSpPr>
+        <p:spPr>
+          <a:xfrm>
+            <a:off x="8049648" y="4826675"/>
+            <a:ext cx="2795333" cy="2031325"/>
+          </a:xfrm>
+          <a:prstGeom prst="rect">
+            <a:avLst/>
+          </a:prstGeom>
+          <a:noFill/>
+        </p:spPr>
+        <p:txBody>
+          <a:bodyPr wrap="square" rtlCol="0">
+            <a:spAutoFit/>
+          </a:bodyPr>
+          <a:lstStyle/>
+          <a:p>
+            <a:r>
+              <a:rPr lang="en-GB" dirty="0"/>
+              <a:t>Raw data from data files on </a:t>
+            </a:r>
+            <a:r>
+              <a:rPr lang="en-GB" dirty="0" err="1"/>
+              <a:t>Sync&amp;Share</a:t>
+            </a:r>
+            <a:r>
+              <a:rPr lang="en-GB" dirty="0"/>
+              <a:t>, processed using a Python program called </a:t>
+            </a:r>
+          </a:p>
+          <a:p>
+            <a:r>
+              <a:rPr lang="en-GB" b="1" dirty="0">
+                <a:solidFill>
+                  <a:srgbClr val="002060"/>
+                </a:solidFill>
+              </a:rPr>
+              <a:t>“file_prepare.py” </a:t>
+            </a:r>
+            <a:r>
+              <a:rPr lang="en-GB" dirty="0"/>
+              <a:t>(also on GitHub)</a:t>
+            </a:r>
+          </a:p>
+          <a:p>
+            <a:r>
+              <a:rPr lang="en-GB" dirty="0"/>
+              <a:t> </a:t>
+            </a:r>
+          </a:p>
+        </p:txBody>
+      </p:sp>
+      <p:sp>
+        <p:nvSpPr>
+          <p:cNvPr id="11" name="Arrow: Right 10">
+            <a:extLst>
+              <a:ext uri="{FF2B5EF4-FFF2-40B4-BE49-F238E27FC236}">
+                <a16:creationId xmlns:a16="http://schemas.microsoft.com/office/drawing/2014/main" id="{0DD6C156-90F7-9BC1-65E1-66756EB2F299}"/>
+              </a:ext>
+            </a:extLst>
+          </p:cNvPr>
+          <p:cNvSpPr/>
+          <p:nvPr/>
+        </p:nvSpPr>
+        <p:spPr>
+          <a:xfrm>
+            <a:off x="6971071" y="5496231"/>
+            <a:ext cx="978539" cy="255640"/>
+          </a:xfrm>
+          <a:prstGeom prst="rightArrow">
+            <a:avLst/>
+          </a:prstGeom>
+        </p:spPr>
+        <p:style>
+          <a:lnRef idx="2">
+            <a:schemeClr val="accent1">
+              <a:shade val="15000"/>
+            </a:schemeClr>
+          </a:lnRef>
+          <a:fillRef idx="1">
+            <a:schemeClr val="accent1"/>
+          </a:fillRef>
+          <a:effectRef idx="0">
+            <a:schemeClr val="accent1"/>
+          </a:effectRef>
+          <a:fontRef idx="minor">
+            <a:schemeClr val="lt1"/>
+          </a:fontRef>
+        </p:style>
+        <p:txBody>
+          <a:bodyPr rtlCol="0" anchor="ctr"/>
+          <a:lstStyle/>
+          <a:p>
+            <a:pPr algn="ctr"/>
+            <a:endParaRPr lang="en-GB"/>
+          </a:p>
+        </p:txBody>
+      </p:sp>
+      <p:sp>
+        <p:nvSpPr>
+          <p:cNvPr id="12" name="Arrow: Right 11">
+            <a:extLst>
+              <a:ext uri="{FF2B5EF4-FFF2-40B4-BE49-F238E27FC236}">
+                <a16:creationId xmlns:a16="http://schemas.microsoft.com/office/drawing/2014/main" id="{3FF08BDA-6F85-DF50-6FF7-0656EF629EF3}"/>
+              </a:ext>
+            </a:extLst>
+          </p:cNvPr>
+          <p:cNvSpPr/>
+          <p:nvPr/>
+        </p:nvSpPr>
+        <p:spPr>
+          <a:xfrm>
+            <a:off x="6966159" y="3220060"/>
+            <a:ext cx="978539" cy="255640"/>
+          </a:xfrm>
+          <a:prstGeom prst="rightArrow">
+            <a:avLst/>
+          </a:prstGeom>
+        </p:spPr>
+        <p:style>
+          <a:lnRef idx="2">
+            <a:schemeClr val="accent1">
+              <a:shade val="15000"/>
+            </a:schemeClr>
+          </a:lnRef>
+          <a:fillRef idx="1">
+            <a:schemeClr val="accent1"/>
+          </a:fillRef>
+          <a:effectRef idx="0">
+            <a:schemeClr val="accent1"/>
+          </a:effectRef>
+          <a:fontRef idx="minor">
+            <a:schemeClr val="lt1"/>
+          </a:fontRef>
+        </p:style>
+        <p:txBody>
+          <a:bodyPr rtlCol="0" anchor="ctr"/>
+          <a:lstStyle/>
+          <a:p>
+            <a:pPr algn="ctr"/>
+            <a:endParaRPr lang="en-GB"/>
+          </a:p>
+        </p:txBody>
+      </p:sp>
+      <p:sp>
+        <p:nvSpPr>
+          <p:cNvPr id="13" name="TextBox 12">
+            <a:extLst>
+              <a:ext uri="{FF2B5EF4-FFF2-40B4-BE49-F238E27FC236}">
+                <a16:creationId xmlns:a16="http://schemas.microsoft.com/office/drawing/2014/main" id="{23CACE3E-93BD-C37D-0DD5-1F996F93A28E}"/>
+              </a:ext>
+            </a:extLst>
+          </p:cNvPr>
+          <p:cNvSpPr txBox="1"/>
+          <p:nvPr/>
+        </p:nvSpPr>
+        <p:spPr>
+          <a:xfrm>
+            <a:off x="8190272" y="2737036"/>
+            <a:ext cx="2281084" cy="1477328"/>
+          </a:xfrm>
+          <a:prstGeom prst="rect">
+            <a:avLst/>
+          </a:prstGeom>
+          <a:noFill/>
+        </p:spPr>
+        <p:txBody>
+          <a:bodyPr wrap="square" rtlCol="0">
+            <a:spAutoFit/>
+          </a:bodyPr>
+          <a:lstStyle/>
+          <a:p>
+            <a:r>
+              <a:rPr lang="en-GB" dirty="0"/>
+              <a:t>Essentially standard settings with </a:t>
+            </a:r>
+            <a:r>
+              <a:rPr lang="en-GB" b="1" dirty="0">
+                <a:solidFill>
+                  <a:srgbClr val="002060"/>
+                </a:solidFill>
+              </a:rPr>
+              <a:t>gradient approximation </a:t>
+            </a:r>
+            <a:r>
+              <a:rPr lang="en-GB" dirty="0"/>
+              <a:t>for pressure</a:t>
+            </a:r>
+          </a:p>
+          <a:p>
+            <a:endParaRPr lang="en-GB" dirty="0"/>
+          </a:p>
+        </p:txBody>
+      </p:sp>
     </p:spTree>
     <p:extLst>
       <p:ext uri="{BB962C8B-B14F-4D97-AF65-F5344CB8AC3E}">
-        <p14:creationId xmlns:p14="http://schemas.microsoft.com/office/powerpoint/2010/main" val="3559836021"/>
+        <p14:creationId xmlns:p14="http://schemas.microsoft.com/office/powerpoint/2010/main" val="1441314106"/>
       </p:ext>
     </p:extLst>
   </p:cSld>
@@ -5579,12 +6549,83 @@
           <a:chExt cx="0" cy="0"/>
         </a:xfrm>
       </p:grpSpPr>
-      <p:sp>
-        <p:nvSpPr>
-          <p:cNvPr id="2" name="Title 1">
-            <a:extLst>
-              <a:ext uri="{FF2B5EF4-FFF2-40B4-BE49-F238E27FC236}">
-                <a16:creationId xmlns:a16="http://schemas.microsoft.com/office/drawing/2014/main" id="{67858845-1D43-47B1-0D26-AA297D5C8A55}"/>
+      <p:pic>
+        <p:nvPicPr>
+          <p:cNvPr id="5" name="Content Placeholder 4" descr="A graph of gas properties&#10;&#10;Description automatically generated">
+            <a:extLst>
+              <a:ext uri="{FF2B5EF4-FFF2-40B4-BE49-F238E27FC236}">
+                <a16:creationId xmlns:a16="http://schemas.microsoft.com/office/drawing/2014/main" id="{64A5B05A-FA58-96D2-86C7-45A8EB06A713}"/>
+              </a:ext>
+            </a:extLst>
+          </p:cNvPr>
+          <p:cNvPicPr>
+            <a:picLocks noGrp="1" noChangeAspect="1"/>
+          </p:cNvPicPr>
+          <p:nvPr>
+            <p:ph idx="1"/>
+          </p:nvPr>
+        </p:nvPicPr>
+        <p:blipFill>
+          <a:blip r:embed="rId2">
+            <a:extLst>
+              <a:ext uri="{28A0092B-C50C-407E-A947-70E740481C1C}">
+                <a14:useLocalDpi xmlns:a14="http://schemas.microsoft.com/office/drawing/2010/main" val="0"/>
+              </a:ext>
+            </a:extLst>
+          </a:blip>
+          <a:stretch>
+            <a:fillRect/>
+          </a:stretch>
+        </p:blipFill>
+        <p:spPr>
+          <a:xfrm>
+            <a:off x="287833" y="1531230"/>
+            <a:ext cx="5589155" cy="4347892"/>
+          </a:xfrm>
+        </p:spPr>
+      </p:pic>
+      <p:pic>
+        <p:nvPicPr>
+          <p:cNvPr id="8" name="Picture 7" descr="A graph of a pulse&#10;&#10;Description automatically generated">
+            <a:extLst>
+              <a:ext uri="{FF2B5EF4-FFF2-40B4-BE49-F238E27FC236}">
+                <a16:creationId xmlns:a16="http://schemas.microsoft.com/office/drawing/2014/main" id="{7789A889-06D3-4132-9053-39863B4FA42E}"/>
+              </a:ext>
+            </a:extLst>
+          </p:cNvPr>
+          <p:cNvPicPr>
+            <a:picLocks noChangeAspect="1"/>
+          </p:cNvPicPr>
+          <p:nvPr/>
+        </p:nvPicPr>
+        <p:blipFill>
+          <a:blip r:embed="rId3">
+            <a:extLst>
+              <a:ext uri="{28A0092B-C50C-407E-A947-70E740481C1C}">
+                <a14:useLocalDpi xmlns:a14="http://schemas.microsoft.com/office/drawing/2010/main" val="0"/>
+              </a:ext>
+            </a:extLst>
+          </a:blip>
+          <a:stretch>
+            <a:fillRect/>
+          </a:stretch>
+        </p:blipFill>
+        <p:spPr>
+          <a:xfrm>
+            <a:off x="5921949" y="1314926"/>
+            <a:ext cx="5982218" cy="4740051"/>
+          </a:xfrm>
+          <a:prstGeom prst="rect">
+            <a:avLst/>
+          </a:prstGeom>
+        </p:spPr>
+      </p:pic>
+      <p:sp>
+        <p:nvSpPr>
+          <p:cNvPr id="9" name="Title 1">
+            <a:extLst>
+              <a:ext uri="{FF2B5EF4-FFF2-40B4-BE49-F238E27FC236}">
+                <a16:creationId xmlns:a16="http://schemas.microsoft.com/office/drawing/2014/main" id="{05EA8390-A8A0-3E8B-45F9-21240599DF29}"/>
               </a:ext>
             </a:extLst>
           </p:cNvPr>
@@ -5595,66 +6636,27 @@
             <p:ph type="title"/>
           </p:nvPr>
         </p:nvSpPr>
-        <p:spPr/>
+        <p:spPr>
+          <a:xfrm>
+            <a:off x="838200" y="365125"/>
+            <a:ext cx="10515600" cy="1325563"/>
+          </a:xfrm>
+        </p:spPr>
         <p:txBody>
           <a:bodyPr/>
           <a:lstStyle/>
           <a:p>
             <a:r>
               <a:rPr lang="en-GB" u="sng" dirty="0"/>
-              <a:t>2. UV spectrum overlay </a:t>
-            </a:r>
-          </a:p>
-        </p:txBody>
-      </p:sp>
-      <p:sp>
-        <p:nvSpPr>
-          <p:cNvPr id="3" name="Content Placeholder 2">
-            <a:extLst>
-              <a:ext uri="{FF2B5EF4-FFF2-40B4-BE49-F238E27FC236}">
-                <a16:creationId xmlns:a16="http://schemas.microsoft.com/office/drawing/2014/main" id="{7BA74645-9EE2-771C-81CD-2EC7DAB9EF26}"/>
-              </a:ext>
-            </a:extLst>
-          </p:cNvPr>
-          <p:cNvSpPr>
-            <a:spLocks noGrp="1"/>
-          </p:cNvSpPr>
-          <p:nvPr>
-            <p:ph idx="1"/>
-          </p:nvPr>
-        </p:nvSpPr>
-        <p:spPr/>
-        <p:txBody>
-          <a:bodyPr/>
-          <a:lstStyle/>
-          <a:p>
-            <a:r>
-              <a:rPr lang="en-GB" dirty="0"/>
-              <a:t>Previously, the simulated UV spectrum could only be loosely compared to measured UV output </a:t>
-            </a:r>
-          </a:p>
-          <a:p>
-            <a:r>
-              <a:rPr lang="en-GB" dirty="0"/>
-              <a:t>Now, a file with wavelength-intensity data can be read in and overlayed on the output spectrum </a:t>
-            </a:r>
-          </a:p>
-          <a:p>
-            <a:pPr lvl="1"/>
-            <a:r>
-              <a:rPr lang="en-GB" dirty="0"/>
-              <a:t>NOTE: the spectrum is rescaled in the process, so that a quantitative comparison is not (yet) possible </a:t>
-            </a:r>
-          </a:p>
-          <a:p>
-            <a:endParaRPr lang="en-GB" dirty="0"/>
+              <a:t>Example run</a:t>
+            </a:r>
           </a:p>
         </p:txBody>
       </p:sp>
     </p:spTree>
     <p:extLst>
       <p:ext uri="{BB962C8B-B14F-4D97-AF65-F5344CB8AC3E}">
-        <p14:creationId xmlns:p14="http://schemas.microsoft.com/office/powerpoint/2010/main" val="1863001391"/>
+        <p14:creationId xmlns:p14="http://schemas.microsoft.com/office/powerpoint/2010/main" val="339885508"/>
       </p:ext>
     </p:extLst>
   </p:cSld>
@@ -5686,7 +6688,7 @@
           <p:cNvPr id="2" name="Title 1">
             <a:extLst>
               <a:ext uri="{FF2B5EF4-FFF2-40B4-BE49-F238E27FC236}">
-                <a16:creationId xmlns:a16="http://schemas.microsoft.com/office/drawing/2014/main" id="{2AB426A7-2889-DFE4-0788-248F83DAD7D3}"/>
+                <a16:creationId xmlns:a16="http://schemas.microsoft.com/office/drawing/2014/main" id="{C85D0735-5DC1-58A9-51DB-C072A56B1ED2}"/>
               </a:ext>
             </a:extLst>
           </p:cNvPr>
@@ -5704,7 +6706,7 @@
           <a:p>
             <a:r>
               <a:rPr lang="en-GB" u="sng" dirty="0"/>
-              <a:t>3. Data-based gas distribution</a:t>
+              <a:t>Example run</a:t>
             </a:r>
           </a:p>
         </p:txBody>
@@ -5714,7 +6716,7 @@
           <p:cNvPr id="3" name="Content Placeholder 2">
             <a:extLst>
               <a:ext uri="{FF2B5EF4-FFF2-40B4-BE49-F238E27FC236}">
-                <a16:creationId xmlns:a16="http://schemas.microsoft.com/office/drawing/2014/main" id="{01E7F6CB-202C-BD7E-AA60-F1D8B4D28750}"/>
+                <a16:creationId xmlns:a16="http://schemas.microsoft.com/office/drawing/2014/main" id="{2C4437C2-CACF-DB6D-16C4-5BD38B57AA5D}"/>
               </a:ext>
             </a:extLst>
           </p:cNvPr>
@@ -5730,32 +6732,16 @@
           <a:bodyPr/>
           <a:lstStyle/>
           <a:p>
-            <a:r>
-              <a:rPr lang="en-GB" dirty="0"/>
-              <a:t>Previously, a simple gradient was used to model the gas distribution</a:t>
-            </a:r>
-          </a:p>
-          <a:p>
-            <a:r>
-              <a:rPr lang="en-GB" dirty="0"/>
-              <a:t>Now, a data file with position-density data can be read in to determine the gas density and refractive index </a:t>
-            </a:r>
-          </a:p>
-          <a:p>
-            <a:pPr lvl="1"/>
-            <a:r>
-              <a:rPr lang="en-GB" dirty="0"/>
-              <a:t>NOTE: not tested due to lack of access to COMPSOL data </a:t>
-            </a:r>
+            <a:endParaRPr lang="en-GB"/>
           </a:p>
         </p:txBody>
       </p:sp>
       <p:pic>
         <p:nvPicPr>
-          <p:cNvPr id="5" name="Picture 4" descr="A screenshot of a computer program&#10;&#10;Description automatically generated">
-            <a:extLst>
-              <a:ext uri="{FF2B5EF4-FFF2-40B4-BE49-F238E27FC236}">
-                <a16:creationId xmlns:a16="http://schemas.microsoft.com/office/drawing/2014/main" id="{05799F2A-2E22-14DE-1B72-07D3F537E832}"/>
+          <p:cNvPr id="4" name="Picture 3" descr="A chart of a graph&#10;&#10;Description automatically generated">
+            <a:extLst>
+              <a:ext uri="{FF2B5EF4-FFF2-40B4-BE49-F238E27FC236}">
+                <a16:creationId xmlns:a16="http://schemas.microsoft.com/office/drawing/2014/main" id="{0A028F3F-25C6-3142-CD22-A22EC4981CF3}"/>
               </a:ext>
             </a:extLst>
           </p:cNvPr>
@@ -5778,8 +6764,44 @@
         </p:blipFill>
         <p:spPr>
           <a:xfrm>
-            <a:off x="1360159" y="3670251"/>
-            <a:ext cx="8763759" cy="3017782"/>
+            <a:off x="202085" y="1600643"/>
+            <a:ext cx="6248942" cy="4701947"/>
+          </a:xfrm>
+          <a:prstGeom prst="rect">
+            <a:avLst/>
+          </a:prstGeom>
+        </p:spPr>
+      </p:pic>
+      <p:pic>
+        <p:nvPicPr>
+          <p:cNvPr id="5" name="Picture 4" descr="A chart of a frequency evolution&#10;&#10;Description automatically generated">
+            <a:extLst>
+              <a:ext uri="{FF2B5EF4-FFF2-40B4-BE49-F238E27FC236}">
+                <a16:creationId xmlns:a16="http://schemas.microsoft.com/office/drawing/2014/main" id="{37F6D11C-A87B-0C12-CBBC-1D5A59AB8452}"/>
+              </a:ext>
+            </a:extLst>
+          </p:cNvPr>
+          <p:cNvPicPr>
+            <a:picLocks noChangeAspect="1"/>
+          </p:cNvPicPr>
+          <p:nvPr/>
+        </p:nvPicPr>
+        <p:blipFill>
+          <a:blip r:embed="rId3">
+            <a:extLst>
+              <a:ext uri="{28A0092B-C50C-407E-A947-70E740481C1C}">
+                <a14:useLocalDpi xmlns:a14="http://schemas.microsoft.com/office/drawing/2010/main" val="0"/>
+              </a:ext>
+            </a:extLst>
+          </a:blip>
+          <a:stretch>
+            <a:fillRect/>
+          </a:stretch>
+        </p:blipFill>
+        <p:spPr>
+          <a:xfrm>
+            <a:off x="6255927" y="1695623"/>
+            <a:ext cx="5951736" cy="4701947"/>
           </a:xfrm>
           <a:prstGeom prst="rect">
             <a:avLst/>
@@ -5789,7 +6811,7 @@
     </p:spTree>
     <p:extLst>
       <p:ext uri="{BB962C8B-B14F-4D97-AF65-F5344CB8AC3E}">
-        <p14:creationId xmlns:p14="http://schemas.microsoft.com/office/powerpoint/2010/main" val="510792676"/>
+        <p14:creationId xmlns:p14="http://schemas.microsoft.com/office/powerpoint/2010/main" val="2071873765"/>
       </p:ext>
     </p:extLst>
   </p:cSld>
@@ -5821,7 +6843,7 @@
           <p:cNvPr id="2" name="Title 1">
             <a:extLst>
               <a:ext uri="{FF2B5EF4-FFF2-40B4-BE49-F238E27FC236}">
-                <a16:creationId xmlns:a16="http://schemas.microsoft.com/office/drawing/2014/main" id="{95C9DE35-3407-F145-539C-4113B8C64156}"/>
+                <a16:creationId xmlns:a16="http://schemas.microsoft.com/office/drawing/2014/main" id="{4E96460A-7BDF-D325-029E-0ECA8E18429E}"/>
               </a:ext>
             </a:extLst>
           </p:cNvPr>
@@ -5838,49 +6860,18 @@
           <a:lstStyle/>
           <a:p>
             <a:r>
-              <a:rPr lang="en-GB" b="1" u="sng" dirty="0"/>
+              <a:rPr lang="en-GB" u="sng" dirty="0"/>
               <a:t>Example run</a:t>
-            </a:r>
-          </a:p>
-        </p:txBody>
-      </p:sp>
-      <p:sp>
-        <p:nvSpPr>
-          <p:cNvPr id="3" name="Content Placeholder 2">
-            <a:extLst>
-              <a:ext uri="{FF2B5EF4-FFF2-40B4-BE49-F238E27FC236}">
-                <a16:creationId xmlns:a16="http://schemas.microsoft.com/office/drawing/2014/main" id="{2AB02A07-98C4-C94A-E654-FDC0F8881077}"/>
-              </a:ext>
-            </a:extLst>
-          </p:cNvPr>
-          <p:cNvSpPr>
-            <a:spLocks noGrp="1"/>
-          </p:cNvSpPr>
-          <p:nvPr>
-            <p:ph idx="1"/>
-          </p:nvPr>
-        </p:nvSpPr>
-        <p:spPr/>
-        <p:txBody>
-          <a:bodyPr/>
-          <a:lstStyle/>
-          <a:p>
-            <a:pPr marL="0" indent="0">
-              <a:buNone/>
-            </a:pPr>
-            <a:r>
-              <a:rPr lang="en-GB" dirty="0"/>
-              <a:t>The follow slides show sample output for a run with parameter values:</a:t>
             </a:r>
           </a:p>
         </p:txBody>
       </p:sp>
       <p:pic>
         <p:nvPicPr>
-          <p:cNvPr id="5" name="Picture 4" descr="A computer screen shot of a black screen&#10;&#10;Description automatically generated">
-            <a:extLst>
-              <a:ext uri="{FF2B5EF4-FFF2-40B4-BE49-F238E27FC236}">
-                <a16:creationId xmlns:a16="http://schemas.microsoft.com/office/drawing/2014/main" id="{8717F008-3A59-3757-A5FC-EA038DAA8194}"/>
+          <p:cNvPr id="4" name="Picture 3" descr="A graph of a graph of a number of objects&#10;&#10;Description automatically generated">
+            <a:extLst>
+              <a:ext uri="{FF2B5EF4-FFF2-40B4-BE49-F238E27FC236}">
+                <a16:creationId xmlns:a16="http://schemas.microsoft.com/office/drawing/2014/main" id="{69B82BA0-D9D1-C8DD-6E73-A2726B9081EB}"/>
               </a:ext>
             </a:extLst>
           </p:cNvPr>
@@ -5903,211 +6894,54 @@
         </p:blipFill>
         <p:spPr>
           <a:xfrm>
-            <a:off x="1515140" y="2447074"/>
-            <a:ext cx="5326626" cy="4124959"/>
+            <a:off x="126834" y="1482636"/>
+            <a:ext cx="5845047" cy="4694327"/>
           </a:xfrm>
           <a:prstGeom prst="rect">
             <a:avLst/>
           </a:prstGeom>
         </p:spPr>
       </p:pic>
-      <p:sp>
-        <p:nvSpPr>
-          <p:cNvPr id="8" name="TextBox 7">
-            <a:extLst>
-              <a:ext uri="{FF2B5EF4-FFF2-40B4-BE49-F238E27FC236}">
-                <a16:creationId xmlns:a16="http://schemas.microsoft.com/office/drawing/2014/main" id="{0F51339F-8E07-76F6-F9E6-4FE6E121D7A4}"/>
-              </a:ext>
-            </a:extLst>
-          </p:cNvPr>
-          <p:cNvSpPr txBox="1"/>
+      <p:pic>
+        <p:nvPicPr>
+          <p:cNvPr id="5" name="Picture 4" descr="A graph of a pulse&#10;&#10;Description automatically generated">
+            <a:extLst>
+              <a:ext uri="{FF2B5EF4-FFF2-40B4-BE49-F238E27FC236}">
+                <a16:creationId xmlns:a16="http://schemas.microsoft.com/office/drawing/2014/main" id="{2BB8D2B5-2EDE-6071-4401-D4846D09FD5D}"/>
+              </a:ext>
+            </a:extLst>
+          </p:cNvPr>
+          <p:cNvPicPr>
+            <a:picLocks noChangeAspect="1"/>
+          </p:cNvPicPr>
           <p:nvPr/>
-        </p:nvSpPr>
-        <p:spPr>
-          <a:xfrm>
-            <a:off x="8049648" y="4826675"/>
-            <a:ext cx="2795333" cy="2031325"/>
+        </p:nvPicPr>
+        <p:blipFill>
+          <a:blip r:embed="rId3">
+            <a:extLst>
+              <a:ext uri="{28A0092B-C50C-407E-A947-70E740481C1C}">
+                <a14:useLocalDpi xmlns:a14="http://schemas.microsoft.com/office/drawing/2010/main" val="0"/>
+              </a:ext>
+            </a:extLst>
+          </a:blip>
+          <a:stretch>
+            <a:fillRect/>
+          </a:stretch>
+        </p:blipFill>
+        <p:spPr>
+          <a:xfrm>
+            <a:off x="6346953" y="1520740"/>
+            <a:ext cx="5845047" cy="4656223"/>
           </a:xfrm>
           <a:prstGeom prst="rect">
             <a:avLst/>
           </a:prstGeom>
-          <a:noFill/>
-        </p:spPr>
-        <p:txBody>
-          <a:bodyPr wrap="square" rtlCol="0">
-            <a:spAutoFit/>
-          </a:bodyPr>
-          <a:lstStyle/>
-          <a:p>
-            <a:r>
-              <a:rPr lang="en-GB" dirty="0"/>
-              <a:t>Raw data from data files on </a:t>
-            </a:r>
-            <a:r>
-              <a:rPr lang="en-GB" dirty="0" err="1"/>
-              <a:t>Sync&amp;Share</a:t>
-            </a:r>
-            <a:r>
-              <a:rPr lang="en-GB" dirty="0"/>
-              <a:t>, processed using a Python program called </a:t>
-            </a:r>
-          </a:p>
-          <a:p>
-            <a:r>
-              <a:rPr lang="en-GB" b="1" dirty="0">
-                <a:solidFill>
-                  <a:srgbClr val="0070C0"/>
-                </a:solidFill>
-              </a:rPr>
-              <a:t>“file_prepare.py</a:t>
-            </a:r>
-            <a:r>
-              <a:rPr lang="en-GB" dirty="0"/>
-              <a:t>” (also on GitHub)</a:t>
-            </a:r>
-          </a:p>
-          <a:p>
-            <a:r>
-              <a:rPr lang="en-GB" dirty="0"/>
-              <a:t> </a:t>
-            </a:r>
-          </a:p>
-        </p:txBody>
-      </p:sp>
-      <p:sp>
-        <p:nvSpPr>
-          <p:cNvPr id="11" name="Arrow: Right 10">
-            <a:extLst>
-              <a:ext uri="{FF2B5EF4-FFF2-40B4-BE49-F238E27FC236}">
-                <a16:creationId xmlns:a16="http://schemas.microsoft.com/office/drawing/2014/main" id="{0DD6C156-90F7-9BC1-65E1-66756EB2F299}"/>
-              </a:ext>
-            </a:extLst>
-          </p:cNvPr>
-          <p:cNvSpPr/>
-          <p:nvPr/>
-        </p:nvSpPr>
-        <p:spPr>
-          <a:xfrm>
-            <a:off x="6971071" y="5496231"/>
-            <a:ext cx="978539" cy="255640"/>
-          </a:xfrm>
-          <a:prstGeom prst="rightArrow">
-            <a:avLst/>
-          </a:prstGeom>
-        </p:spPr>
-        <p:style>
-          <a:lnRef idx="2">
-            <a:schemeClr val="accent1">
-              <a:shade val="15000"/>
-            </a:schemeClr>
-          </a:lnRef>
-          <a:fillRef idx="1">
-            <a:schemeClr val="accent1"/>
-          </a:fillRef>
-          <a:effectRef idx="0">
-            <a:schemeClr val="accent1"/>
-          </a:effectRef>
-          <a:fontRef idx="minor">
-            <a:schemeClr val="lt1"/>
-          </a:fontRef>
-        </p:style>
-        <p:txBody>
-          <a:bodyPr rtlCol="0" anchor="ctr"/>
-          <a:lstStyle/>
-          <a:p>
-            <a:pPr algn="ctr"/>
-            <a:endParaRPr lang="en-GB"/>
-          </a:p>
-        </p:txBody>
-      </p:sp>
-      <p:sp>
-        <p:nvSpPr>
-          <p:cNvPr id="12" name="Arrow: Right 11">
-            <a:extLst>
-              <a:ext uri="{FF2B5EF4-FFF2-40B4-BE49-F238E27FC236}">
-                <a16:creationId xmlns:a16="http://schemas.microsoft.com/office/drawing/2014/main" id="{3FF08BDA-6F85-DF50-6FF7-0656EF629EF3}"/>
-              </a:ext>
-            </a:extLst>
-          </p:cNvPr>
-          <p:cNvSpPr/>
-          <p:nvPr/>
-        </p:nvSpPr>
-        <p:spPr>
-          <a:xfrm>
-            <a:off x="6966159" y="3220060"/>
-            <a:ext cx="978539" cy="255640"/>
-          </a:xfrm>
-          <a:prstGeom prst="rightArrow">
-            <a:avLst/>
-          </a:prstGeom>
-        </p:spPr>
-        <p:style>
-          <a:lnRef idx="2">
-            <a:schemeClr val="accent1">
-              <a:shade val="15000"/>
-            </a:schemeClr>
-          </a:lnRef>
-          <a:fillRef idx="1">
-            <a:schemeClr val="accent1"/>
-          </a:fillRef>
-          <a:effectRef idx="0">
-            <a:schemeClr val="accent1"/>
-          </a:effectRef>
-          <a:fontRef idx="minor">
-            <a:schemeClr val="lt1"/>
-          </a:fontRef>
-        </p:style>
-        <p:txBody>
-          <a:bodyPr rtlCol="0" anchor="ctr"/>
-          <a:lstStyle/>
-          <a:p>
-            <a:pPr algn="ctr"/>
-            <a:endParaRPr lang="en-GB"/>
-          </a:p>
-        </p:txBody>
-      </p:sp>
-      <p:sp>
-        <p:nvSpPr>
-          <p:cNvPr id="13" name="TextBox 12">
-            <a:extLst>
-              <a:ext uri="{FF2B5EF4-FFF2-40B4-BE49-F238E27FC236}">
-                <a16:creationId xmlns:a16="http://schemas.microsoft.com/office/drawing/2014/main" id="{23CACE3E-93BD-C37D-0DD5-1F996F93A28E}"/>
-              </a:ext>
-            </a:extLst>
-          </p:cNvPr>
-          <p:cNvSpPr txBox="1"/>
-          <p:nvPr/>
-        </p:nvSpPr>
-        <p:spPr>
-          <a:xfrm>
-            <a:off x="8190272" y="2737036"/>
-            <a:ext cx="2281084" cy="1477328"/>
-          </a:xfrm>
-          <a:prstGeom prst="rect">
-            <a:avLst/>
-          </a:prstGeom>
-          <a:noFill/>
-        </p:spPr>
-        <p:txBody>
-          <a:bodyPr wrap="square" rtlCol="0">
-            <a:spAutoFit/>
-          </a:bodyPr>
-          <a:lstStyle/>
-          <a:p>
-            <a:r>
-              <a:rPr lang="en-GB" dirty="0"/>
-              <a:t>Essentially standard settings with gradient approximation for pressure</a:t>
-            </a:r>
-          </a:p>
-          <a:p>
-            <a:endParaRPr lang="en-GB" dirty="0"/>
-          </a:p>
-        </p:txBody>
-      </p:sp>
+        </p:spPr>
+      </p:pic>
     </p:spTree>
     <p:extLst>
       <p:ext uri="{BB962C8B-B14F-4D97-AF65-F5344CB8AC3E}">
-        <p14:creationId xmlns:p14="http://schemas.microsoft.com/office/powerpoint/2010/main" val="1441314106"/>
+        <p14:creationId xmlns:p14="http://schemas.microsoft.com/office/powerpoint/2010/main" val="3173447916"/>
       </p:ext>
     </p:extLst>
   </p:cSld>

--- a/presentations/DESY - Updates Week 1&2.pptx
+++ b/presentations/DESY - Updates Week 1&2.pptx
@@ -4605,7 +4605,7 @@
             <a:r>
               <a:rPr lang="en-GB" b="1" dirty="0">
                 <a:solidFill>
-                  <a:srgbClr val="FF0000"/>
+                  <a:srgbClr val="7030A0"/>
                 </a:solidFill>
               </a:rPr>
               <a:t>Measured UV data</a:t>
@@ -4615,7 +4615,7 @@
             <a:r>
               <a:rPr lang="en-GB" b="1" dirty="0">
                 <a:solidFill>
-                  <a:srgbClr val="7030A0"/>
+                  <a:srgbClr val="FF0000"/>
                 </a:solidFill>
               </a:rPr>
               <a:t>Simulated UV data</a:t>
@@ -4941,10 +4941,10 @@
       </p:sp>
       <p:sp>
         <p:nvSpPr>
-          <p:cNvPr id="3" name="TextBox 2">
-            <a:extLst>
-              <a:ext uri="{FF2B5EF4-FFF2-40B4-BE49-F238E27FC236}">
-                <a16:creationId xmlns:a16="http://schemas.microsoft.com/office/drawing/2014/main" id="{B15B7EC0-4719-5D5B-51DD-10ECCBD7F08E}"/>
+          <p:cNvPr id="4" name="TextBox 3">
+            <a:extLst>
+              <a:ext uri="{FF2B5EF4-FFF2-40B4-BE49-F238E27FC236}">
+                <a16:creationId xmlns:a16="http://schemas.microsoft.com/office/drawing/2014/main" id="{749A3919-C8D4-6495-6EC3-526CC85D16EA}"/>
               </a:ext>
             </a:extLst>
           </p:cNvPr>
@@ -4970,7 +4970,7 @@
             <a:r>
               <a:rPr lang="en-GB" b="1" dirty="0">
                 <a:solidFill>
-                  <a:srgbClr val="FF0000"/>
+                  <a:srgbClr val="7030A0"/>
                 </a:solidFill>
               </a:rPr>
               <a:t>Measured UV data</a:t>
@@ -4980,7 +4980,7 @@
             <a:r>
               <a:rPr lang="en-GB" b="1" dirty="0">
                 <a:solidFill>
-                  <a:srgbClr val="7030A0"/>
+                  <a:srgbClr val="FF0000"/>
                 </a:solidFill>
               </a:rPr>
               <a:t>Simulated UV data</a:t>
@@ -6051,7 +6051,7 @@
             <a:pPr lvl="1"/>
             <a:r>
               <a:rPr lang="en-GB" i="1" dirty="0"/>
-              <a:t>Untested due to lack of data: get COMPSOL files</a:t>
+              <a:t>Untested due to lack of data: get COMSOL files</a:t>
             </a:r>
           </a:p>
         </p:txBody>
